--- a/docs/Hierarchical clustering.pptx
+++ b/docs/Hierarchical clustering.pptx
@@ -120,6 +120,11 @@
       </a:defRPr>
     </a:lvl9pPr>
   </p:defaultTextStyle>
+  <p:extLst>
+    <p:ext uri="{EFAFB233-063F-42B5-8137-9DF3F51BA10A}">
+      <p15:sldGuideLst xmlns:p15="http://schemas.microsoft.com/office/powerpoint/2012/main"/>
+    </p:ext>
+  </p:extLst>
 </p:presentation>
 </file>
 
@@ -205,7 +210,7 @@
           <a:p>
             <a:fld id="{8B76DFE4-F3BB-43CB-B01D-1F36984D9805}" type="datetimeFigureOut">
               <a:rPr lang="en-US" smtClean="0"/>
-              <a:t>4/19/2015</a:t>
+              <a:t>4/27/2015</a:t>
             </a:fld>
             <a:endParaRPr lang="en-US"/>
           </a:p>
@@ -3659,6 +3664,13 @@
   <p:clrMapOvr>
     <a:masterClrMapping/>
   </p:clrMapOvr>
+  <p:timing>
+    <p:tnLst>
+      <p:par>
+        <p:cTn id="1" dur="indefinite" restart="never" nodeType="tmRoot"/>
+      </p:par>
+    </p:tnLst>
+  </p:timing>
 </p:sld>
 </file>
 
@@ -3816,65 +3828,11 @@
                 <a:pPr lvl="1"/>
                 <a:r>
                   <a:rPr lang="en-US" dirty="0" smtClean="0"/>
-                  <a:t>If we could store the pairwise distances in step 1, the complexity will be still </a:t>
+                  <a:t>It </a:t>
                 </a:r>
-                <a14:m>
-                  <m:oMath xmlns:m="http://schemas.openxmlformats.org/officeDocument/2006/math">
-                    <m:r>
-                      <a:rPr lang="en-US" i="1">
-                        <a:latin typeface="Cambria Math" panose="02040503050406030204" pitchFamily="18" charset="0"/>
-                      </a:rPr>
-                      <m:t>𝑂</m:t>
-                    </m:r>
-                    <m:r>
-                      <a:rPr lang="en-US" i="1">
-                        <a:latin typeface="Cambria Math" panose="02040503050406030204" pitchFamily="18" charset="0"/>
-                      </a:rPr>
-                      <m:t>(</m:t>
-                    </m:r>
-                    <m:sSup>
-                      <m:sSupPr>
-                        <m:ctrlPr>
-                          <a:rPr lang="en-US" i="1">
-                            <a:latin typeface="Cambria Math" panose="02040503050406030204" pitchFamily="18" charset="0"/>
-                          </a:rPr>
-                        </m:ctrlPr>
-                      </m:sSupPr>
-                      <m:e>
-                        <m:r>
-                          <a:rPr lang="en-US" i="1">
-                            <a:latin typeface="Cambria Math" panose="02040503050406030204" pitchFamily="18" charset="0"/>
-                          </a:rPr>
-                          <m:t>𝑛</m:t>
-                        </m:r>
-                      </m:e>
-                      <m:sup>
-                        <m:r>
-                          <a:rPr lang="en-US" i="1">
-                            <a:latin typeface="Cambria Math" panose="02040503050406030204" pitchFamily="18" charset="0"/>
-                          </a:rPr>
-                          <m:t>2</m:t>
-                        </m:r>
-                      </m:sup>
-                    </m:sSup>
-                    <m:r>
-                      <a:rPr lang="en-US" i="1">
-                        <a:latin typeface="Cambria Math" panose="02040503050406030204" pitchFamily="18" charset="0"/>
-                      </a:rPr>
-                      <m:t>)</m:t>
-                    </m:r>
-                  </m:oMath>
-                </a14:m>
                 <a:r>
                   <a:rPr lang="en-US" dirty="0" smtClean="0"/>
-                  <a:t>;</a:t>
-                </a:r>
-              </a:p>
-              <a:p>
-                <a:pPr lvl="1"/>
-                <a:r>
-                  <a:rPr lang="en-US" dirty="0" smtClean="0"/>
-                  <a:t>Otherwise, it could be </a:t>
+                  <a:t>could be </a:t>
                 </a:r>
                 <a14:m>
                   <m:oMath xmlns:m="http://schemas.openxmlformats.org/officeDocument/2006/math">
@@ -4124,7 +4082,7 @@
             </p:nvSpPr>
             <p:spPr>
               <a:xfrm>
-                <a:off x="5247503" y="5387546"/>
+                <a:off x="4366055" y="4464909"/>
                 <a:ext cx="2891481" cy="646331"/>
               </a:xfrm>
               <a:prstGeom prst="rect">
@@ -4231,7 +4189,7 @@
             </p:nvSpPr>
             <p:spPr>
               <a:xfrm>
-                <a:off x="5247503" y="5387546"/>
+                <a:off x="4366055" y="4464909"/>
                 <a:ext cx="2891481" cy="646331"/>
               </a:xfrm>
               <a:prstGeom prst="rect">
@@ -4240,7 +4198,7 @@
               <a:blipFill rotWithShape="0">
                 <a:blip r:embed="rId3"/>
                 <a:stretch>
-                  <a:fillRect l="-1899" t="-5660" r="-3165" b="-14151"/>
+                  <a:fillRect l="-1684" t="-4717" r="-3158" b="-14151"/>
                 </a:stretch>
               </a:blipFill>
             </p:spPr>
@@ -4272,9 +4230,80 @@
   <p:timing>
     <p:tnLst>
       <p:par>
-        <p:cTn id="1" dur="indefinite" restart="never" nodeType="tmRoot"/>
+        <p:cTn id="1" dur="indefinite" restart="never" nodeType="tmRoot">
+          <p:childTnLst>
+            <p:seq concurrent="1" nextAc="seek">
+              <p:cTn id="2" dur="indefinite" nodeType="mainSeq">
+                <p:childTnLst>
+                  <p:par>
+                    <p:cTn id="3" fill="hold">
+                      <p:stCondLst>
+                        <p:cond delay="indefinite"/>
+                      </p:stCondLst>
+                      <p:childTnLst>
+                        <p:par>
+                          <p:cTn id="4" fill="hold">
+                            <p:stCondLst>
+                              <p:cond delay="0"/>
+                            </p:stCondLst>
+                            <p:childTnLst>
+                              <p:par>
+                                <p:cTn id="5" presetID="1" presetClass="entr" presetSubtype="0" fill="hold" grpId="0" nodeType="clickEffect">
+                                  <p:stCondLst>
+                                    <p:cond delay="0"/>
+                                  </p:stCondLst>
+                                  <p:childTnLst>
+                                    <p:set>
+                                      <p:cBhvr>
+                                        <p:cTn id="6" dur="1" fill="hold">
+                                          <p:stCondLst>
+                                            <p:cond delay="0"/>
+                                          </p:stCondLst>
+                                        </p:cTn>
+                                        <p:tgtEl>
+                                          <p:spTgt spid="7"/>
+                                        </p:tgtEl>
+                                        <p:attrNameLst>
+                                          <p:attrName>style.visibility</p:attrName>
+                                        </p:attrNameLst>
+                                      </p:cBhvr>
+                                      <p:to>
+                                        <p:strVal val="visible"/>
+                                      </p:to>
+                                    </p:set>
+                                  </p:childTnLst>
+                                </p:cTn>
+                              </p:par>
+                            </p:childTnLst>
+                          </p:cTn>
+                        </p:par>
+                      </p:childTnLst>
+                    </p:cTn>
+                  </p:par>
+                </p:childTnLst>
+              </p:cTn>
+              <p:prevCondLst>
+                <p:cond evt="onPrev" delay="0">
+                  <p:tgtEl>
+                    <p:sldTgt/>
+                  </p:tgtEl>
+                </p:cond>
+              </p:prevCondLst>
+              <p:nextCondLst>
+                <p:cond evt="onNext" delay="0">
+                  <p:tgtEl>
+                    <p:sldTgt/>
+                  </p:tgtEl>
+                </p:cond>
+              </p:nextCondLst>
+            </p:seq>
+          </p:childTnLst>
+        </p:cTn>
       </p:par>
     </p:tnLst>
+    <p:bldLst>
+      <p:bldP spid="7" grpId="0"/>
+    </p:bldLst>
   </p:timing>
 </p:sld>
 </file>
@@ -4319,8 +4348,8 @@
           </a:p>
         </p:txBody>
       </p:sp>
-      <mc:AlternateContent xmlns:mc="http://schemas.openxmlformats.org/markup-compatibility/2006">
-        <mc:Choice xmlns:a14="http://schemas.microsoft.com/office/drawing/2010/main" Requires="a14">
+      <mc:AlternateContent xmlns:mc="http://schemas.openxmlformats.org/markup-compatibility/2006" xmlns:a14="http://schemas.microsoft.com/office/drawing/2010/main">
+        <mc:Choice Requires="a14">
           <p:sp>
             <p:nvSpPr>
               <p:cNvPr id="7" name="Content Placeholder 6"/>
@@ -4451,7 +4480,7 @@
             </p:txBody>
           </p:sp>
         </mc:Choice>
-        <mc:Fallback>
+        <mc:Fallback xmlns="">
           <p:sp>
             <p:nvSpPr>
               <p:cNvPr id="7" name="Content Placeholder 6"/>
@@ -4569,10 +4598,16 @@
                   <a:rPr lang="en-US" dirty="0" smtClean="0"/>
                   <a:t>Need to specify </a:t>
                 </a:r>
-                <a:r>
-                  <a:rPr lang="en-US" i="1" dirty="0" smtClean="0"/>
-                  <a:t>k</a:t>
-                </a:r>
+                <a14:m>
+                  <m:oMath xmlns:m="http://schemas.openxmlformats.org/officeDocument/2006/math">
+                    <m:r>
+                      <a:rPr lang="en-US" i="1" dirty="0" smtClean="0">
+                        <a:latin typeface="Cambria Math" panose="02040503050406030204" pitchFamily="18" charset="0"/>
+                      </a:rPr>
+                      <m:t>𝑘</m:t>
+                    </m:r>
+                  </m:oMath>
+                </a14:m>
                 <a:r>
                   <a:rPr lang="en-US" dirty="0" smtClean="0"/>
                   <a:t> </a:t>
@@ -4586,9 +4621,19 @@
               </a:p>
               <a:p>
                 <a:pPr lvl="1"/>
+                <a14:m>
+                  <m:oMath xmlns:m="http://schemas.openxmlformats.org/officeDocument/2006/math">
+                    <m:r>
+                      <a:rPr lang="en-US" i="1" dirty="0" smtClean="0">
+                        <a:latin typeface="Cambria Math" panose="02040503050406030204" pitchFamily="18" charset="0"/>
+                      </a:rPr>
+                      <m:t>𝑘</m:t>
+                    </m:r>
+                  </m:oMath>
+                </a14:m>
                 <a:r>
                   <a:rPr lang="en-US" dirty="0" smtClean="0"/>
-                  <a:t>k clusters</a:t>
+                  <a:t> clusters</a:t>
                 </a:r>
                 <a:endParaRPr lang="en-US" dirty="0"/>
               </a:p>
@@ -4758,8 +4803,8 @@
           </a:p>
         </p:txBody>
       </p:sp>
-      <mc:AlternateContent xmlns:mc="http://schemas.openxmlformats.org/markup-compatibility/2006">
-        <mc:Choice xmlns:a14="http://schemas.microsoft.com/office/drawing/2010/main" Requires="a14">
+      <mc:AlternateContent xmlns:mc="http://schemas.openxmlformats.org/markup-compatibility/2006" xmlns:a14="http://schemas.microsoft.com/office/drawing/2010/main">
+        <mc:Choice Requires="a14">
           <p:sp>
             <p:nvSpPr>
               <p:cNvPr id="3" name="Content Placeholder 2"/>
@@ -4869,7 +4914,7 @@
             </p:txBody>
           </p:sp>
         </mc:Choice>
-        <mc:Fallback>
+        <mc:Fallback xmlns="">
           <p:sp>
             <p:nvSpPr>
               <p:cNvPr id="3" name="Content Placeholder 2"/>
@@ -5432,11 +5477,7 @@
           <a:p>
             <a:r>
               <a:rPr lang="en-US" dirty="0" smtClean="0"/>
-              <a:t>Hierarchical clustering </a:t>
-            </a:r>
-            <a:r>
-              <a:rPr lang="en-US" dirty="0" smtClean="0"/>
-              <a:t>algorithm</a:t>
+              <a:t>Hierarchical clustering algorithm</a:t>
             </a:r>
           </a:p>
           <a:p>
@@ -5875,7 +5916,119 @@
   <p:timing>
     <p:tnLst>
       <p:par>
-        <p:cTn id="1" dur="indefinite" restart="never" nodeType="tmRoot"/>
+        <p:cTn id="1" dur="indefinite" restart="never" nodeType="tmRoot">
+          <p:childTnLst>
+            <p:seq concurrent="1" nextAc="seek">
+              <p:cTn id="2" dur="indefinite" nodeType="mainSeq">
+                <p:childTnLst>
+                  <p:par>
+                    <p:cTn id="3" fill="hold">
+                      <p:stCondLst>
+                        <p:cond delay="indefinite"/>
+                      </p:stCondLst>
+                      <p:childTnLst>
+                        <p:par>
+                          <p:cTn id="4" fill="hold">
+                            <p:stCondLst>
+                              <p:cond delay="0"/>
+                            </p:stCondLst>
+                            <p:childTnLst>
+                              <p:par>
+                                <p:cTn id="5" presetID="22" presetClass="entr" presetSubtype="4" fill="hold" nodeType="clickEffect">
+                                  <p:stCondLst>
+                                    <p:cond delay="0"/>
+                                  </p:stCondLst>
+                                  <p:childTnLst>
+                                    <p:set>
+                                      <p:cBhvr>
+                                        <p:cTn id="6" dur="1" fill="hold">
+                                          <p:stCondLst>
+                                            <p:cond delay="0"/>
+                                          </p:stCondLst>
+                                        </p:cTn>
+                                        <p:tgtEl>
+                                          <p:spTgt spid="9"/>
+                                        </p:tgtEl>
+                                        <p:attrNameLst>
+                                          <p:attrName>style.visibility</p:attrName>
+                                        </p:attrNameLst>
+                                      </p:cBhvr>
+                                      <p:to>
+                                        <p:strVal val="visible"/>
+                                      </p:to>
+                                    </p:set>
+                                    <p:animEffect transition="in" filter="wipe(down)">
+                                      <p:cBhvr>
+                                        <p:cTn id="7" dur="500"/>
+                                        <p:tgtEl>
+                                          <p:spTgt spid="9"/>
+                                        </p:tgtEl>
+                                      </p:cBhvr>
+                                    </p:animEffect>
+                                  </p:childTnLst>
+                                </p:cTn>
+                              </p:par>
+                            </p:childTnLst>
+                          </p:cTn>
+                        </p:par>
+                        <p:par>
+                          <p:cTn id="8" fill="hold">
+                            <p:stCondLst>
+                              <p:cond delay="500"/>
+                            </p:stCondLst>
+                            <p:childTnLst>
+                              <p:par>
+                                <p:cTn id="9" presetID="1" presetClass="entr" presetSubtype="0" fill="hold" nodeType="afterEffect">
+                                  <p:stCondLst>
+                                    <p:cond delay="0"/>
+                                  </p:stCondLst>
+                                  <p:childTnLst>
+                                    <p:set>
+                                      <p:cBhvr>
+                                        <p:cTn id="10" dur="1" fill="hold">
+                                          <p:stCondLst>
+                                            <p:cond delay="0"/>
+                                          </p:stCondLst>
+                                        </p:cTn>
+                                        <p:tgtEl>
+                                          <p:spTgt spid="13"/>
+                                        </p:tgtEl>
+                                        <p:attrNameLst>
+                                          <p:attrName>style.visibility</p:attrName>
+                                        </p:attrNameLst>
+                                      </p:cBhvr>
+                                      <p:to>
+                                        <p:strVal val="visible"/>
+                                      </p:to>
+                                    </p:set>
+                                  </p:childTnLst>
+                                </p:cTn>
+                              </p:par>
+                            </p:childTnLst>
+                          </p:cTn>
+                        </p:par>
+                      </p:childTnLst>
+                    </p:cTn>
+                  </p:par>
+                </p:childTnLst>
+              </p:cTn>
+              <p:prevCondLst>
+                <p:cond evt="onPrev" delay="0">
+                  <p:tgtEl>
+                    <p:sldTgt/>
+                  </p:tgtEl>
+                </p:cond>
+              </p:prevCondLst>
+              <p:nextCondLst>
+                <p:cond evt="onNext" delay="0">
+                  <p:tgtEl>
+                    <p:sldTgt/>
+                  </p:tgtEl>
+                </p:cond>
+              </p:nextCondLst>
+            </p:seq>
+          </p:childTnLst>
+        </p:cTn>
       </p:par>
     </p:tnLst>
   </p:timing>
@@ -7737,99 +7890,6 @@
           </p:style>
         </p:cxnSp>
       </p:grpSp>
-      <p:cxnSp>
-        <p:nvCxnSpPr>
-          <p:cNvPr id="68" name="Straight Connector 67"/>
-          <p:cNvCxnSpPr/>
-          <p:nvPr/>
-        </p:nvCxnSpPr>
-        <p:spPr>
-          <a:xfrm>
-            <a:off x="2160324" y="5078700"/>
-            <a:ext cx="755934" cy="0"/>
-          </a:xfrm>
-          <a:prstGeom prst="line">
-            <a:avLst/>
-          </a:prstGeom>
-          <a:ln w="19050"/>
-        </p:spPr>
-        <p:style>
-          <a:lnRef idx="1">
-            <a:schemeClr val="accent1"/>
-          </a:lnRef>
-          <a:fillRef idx="0">
-            <a:schemeClr val="accent1"/>
-          </a:fillRef>
-          <a:effectRef idx="0">
-            <a:schemeClr val="accent1"/>
-          </a:effectRef>
-          <a:fontRef idx="minor">
-            <a:schemeClr val="tx1"/>
-          </a:fontRef>
-        </p:style>
-      </p:cxnSp>
-      <p:cxnSp>
-        <p:nvCxnSpPr>
-          <p:cNvPr id="69" name="Straight Connector 68"/>
-          <p:cNvCxnSpPr/>
-          <p:nvPr/>
-        </p:nvCxnSpPr>
-        <p:spPr>
-          <a:xfrm flipV="1">
-            <a:off x="2169850" y="5078353"/>
-            <a:ext cx="0" cy="259773"/>
-          </a:xfrm>
-          <a:prstGeom prst="line">
-            <a:avLst/>
-          </a:prstGeom>
-          <a:ln w="19050"/>
-        </p:spPr>
-        <p:style>
-          <a:lnRef idx="1">
-            <a:schemeClr val="accent1"/>
-          </a:lnRef>
-          <a:fillRef idx="0">
-            <a:schemeClr val="accent1"/>
-          </a:fillRef>
-          <a:effectRef idx="0">
-            <a:schemeClr val="accent1"/>
-          </a:effectRef>
-          <a:fontRef idx="minor">
-            <a:schemeClr val="tx1"/>
-          </a:fontRef>
-        </p:style>
-      </p:cxnSp>
-      <p:cxnSp>
-        <p:nvCxnSpPr>
-          <p:cNvPr id="70" name="Straight Connector 69"/>
-          <p:cNvCxnSpPr/>
-          <p:nvPr/>
-        </p:nvCxnSpPr>
-        <p:spPr>
-          <a:xfrm flipV="1">
-            <a:off x="2906734" y="5078353"/>
-            <a:ext cx="0" cy="259773"/>
-          </a:xfrm>
-          <a:prstGeom prst="line">
-            <a:avLst/>
-          </a:prstGeom>
-          <a:ln w="19050"/>
-        </p:spPr>
-        <p:style>
-          <a:lnRef idx="1">
-            <a:schemeClr val="accent1"/>
-          </a:lnRef>
-          <a:fillRef idx="0">
-            <a:schemeClr val="accent1"/>
-          </a:fillRef>
-          <a:effectRef idx="0">
-            <a:schemeClr val="accent1"/>
-          </a:effectRef>
-          <a:fontRef idx="minor">
-            <a:schemeClr val="tx1"/>
-          </a:fontRef>
-        </p:style>
-      </p:cxnSp>
       <p:grpSp>
         <p:nvGrpSpPr>
           <p:cNvPr id="84" name="Group 83"/>
@@ -7919,68 +7979,6 @@
           </p:style>
         </p:cxnSp>
       </p:grpSp>
-      <p:cxnSp>
-        <p:nvCxnSpPr>
-          <p:cNvPr id="85" name="Straight Connector 84"/>
-          <p:cNvCxnSpPr/>
-          <p:nvPr/>
-        </p:nvCxnSpPr>
-        <p:spPr>
-          <a:xfrm>
-            <a:off x="1242257" y="4827830"/>
-            <a:ext cx="927593" cy="3668"/>
-          </a:xfrm>
-          <a:prstGeom prst="line">
-            <a:avLst/>
-          </a:prstGeom>
-          <a:ln w="19050"/>
-        </p:spPr>
-        <p:style>
-          <a:lnRef idx="1">
-            <a:schemeClr val="accent1"/>
-          </a:lnRef>
-          <a:fillRef idx="0">
-            <a:schemeClr val="accent1"/>
-          </a:fillRef>
-          <a:effectRef idx="0">
-            <a:schemeClr val="accent1"/>
-          </a:effectRef>
-          <a:fontRef idx="minor">
-            <a:schemeClr val="tx1"/>
-          </a:fontRef>
-        </p:style>
-      </p:cxnSp>
-      <p:cxnSp>
-        <p:nvCxnSpPr>
-          <p:cNvPr id="86" name="Straight Connector 85"/>
-          <p:cNvCxnSpPr/>
-          <p:nvPr/>
-        </p:nvCxnSpPr>
-        <p:spPr>
-          <a:xfrm flipV="1">
-            <a:off x="2169850" y="4831498"/>
-            <a:ext cx="0" cy="548640"/>
-          </a:xfrm>
-          <a:prstGeom prst="line">
-            <a:avLst/>
-          </a:prstGeom>
-          <a:ln w="19050"/>
-        </p:spPr>
-        <p:style>
-          <a:lnRef idx="1">
-            <a:schemeClr val="accent1"/>
-          </a:lnRef>
-          <a:fillRef idx="0">
-            <a:schemeClr val="accent1"/>
-          </a:fillRef>
-          <a:effectRef idx="0">
-            <a:schemeClr val="accent1"/>
-          </a:effectRef>
-          <a:fontRef idx="minor">
-            <a:schemeClr val="tx1"/>
-          </a:fontRef>
-        </p:style>
-      </p:cxnSp>
       <p:sp>
         <p:nvSpPr>
           <p:cNvPr id="88" name="TextBox 87"/>
@@ -8011,44 +8009,121 @@
           </a:p>
         </p:txBody>
       </p:sp>
-      <p:sp>
-        <p:nvSpPr>
-          <p:cNvPr id="89" name="TextBox 88"/>
-          <p:cNvSpPr txBox="1"/>
+      <p:grpSp>
+        <p:nvGrpSpPr>
+          <p:cNvPr id="8" name="Group 7"/>
+          <p:cNvGrpSpPr/>
           <p:nvPr/>
-        </p:nvSpPr>
-        <p:spPr>
+        </p:nvGrpSpPr>
+        <p:grpSpPr>
           <a:xfrm>
-            <a:off x="1533478" y="4384022"/>
-            <a:ext cx="790832" cy="461665"/>
+            <a:off x="1248144" y="4379864"/>
+            <a:ext cx="1082053" cy="996116"/>
+            <a:chOff x="1242257" y="4384022"/>
+            <a:chExt cx="1082053" cy="996116"/>
           </a:xfrm>
-          <a:prstGeom prst="rect">
-            <a:avLst/>
-          </a:prstGeom>
-          <a:noFill/>
-        </p:spPr>
-        <p:txBody>
-          <a:bodyPr wrap="square" rtlCol="0">
-            <a:spAutoFit/>
-          </a:bodyPr>
-          <a:lstStyle/>
-          <a:p>
-            <a:r>
-              <a:rPr lang="en-US" sz="2400" b="1" i="1" dirty="0" smtClean="0">
+        </p:grpSpPr>
+        <p:cxnSp>
+          <p:nvCxnSpPr>
+            <p:cNvPr id="85" name="Straight Connector 84"/>
+            <p:cNvCxnSpPr/>
+            <p:nvPr/>
+          </p:nvCxnSpPr>
+          <p:spPr>
+            <a:xfrm>
+              <a:off x="1242257" y="4827830"/>
+              <a:ext cx="927593" cy="3668"/>
+            </a:xfrm>
+            <a:prstGeom prst="line">
+              <a:avLst/>
+            </a:prstGeom>
+            <a:ln w="19050"/>
+          </p:spPr>
+          <p:style>
+            <a:lnRef idx="1">
+              <a:schemeClr val="accent1"/>
+            </a:lnRef>
+            <a:fillRef idx="0">
+              <a:schemeClr val="accent1"/>
+            </a:fillRef>
+            <a:effectRef idx="0">
+              <a:schemeClr val="accent1"/>
+            </a:effectRef>
+            <a:fontRef idx="minor">
+              <a:schemeClr val="tx1"/>
+            </a:fontRef>
+          </p:style>
+        </p:cxnSp>
+        <p:cxnSp>
+          <p:nvCxnSpPr>
+            <p:cNvPr id="86" name="Straight Connector 85"/>
+            <p:cNvCxnSpPr/>
+            <p:nvPr/>
+          </p:nvCxnSpPr>
+          <p:spPr>
+            <a:xfrm flipV="1">
+              <a:off x="2169850" y="4831498"/>
+              <a:ext cx="0" cy="548640"/>
+            </a:xfrm>
+            <a:prstGeom prst="line">
+              <a:avLst/>
+            </a:prstGeom>
+            <a:ln w="19050"/>
+          </p:spPr>
+          <p:style>
+            <a:lnRef idx="1">
+              <a:schemeClr val="accent1"/>
+            </a:lnRef>
+            <a:fillRef idx="0">
+              <a:schemeClr val="accent1"/>
+            </a:fillRef>
+            <a:effectRef idx="0">
+              <a:schemeClr val="accent1"/>
+            </a:effectRef>
+            <a:fontRef idx="minor">
+              <a:schemeClr val="tx1"/>
+            </a:fontRef>
+          </p:style>
+        </p:cxnSp>
+        <p:sp>
+          <p:nvSpPr>
+            <p:cNvPr id="89" name="TextBox 88"/>
+            <p:cNvSpPr txBox="1"/>
+            <p:nvPr/>
+          </p:nvSpPr>
+          <p:spPr>
+            <a:xfrm>
+              <a:off x="1533478" y="4384022"/>
+              <a:ext cx="790832" cy="461665"/>
+            </a:xfrm>
+            <a:prstGeom prst="rect">
+              <a:avLst/>
+            </a:prstGeom>
+            <a:noFill/>
+          </p:spPr>
+          <p:txBody>
+            <a:bodyPr wrap="square" rtlCol="0">
+              <a:spAutoFit/>
+            </a:bodyPr>
+            <a:lstStyle/>
+            <a:p>
+              <a:r>
+                <a:rPr lang="en-US" sz="2400" b="1" i="1" dirty="0" smtClean="0">
+                  <a:solidFill>
+                    <a:srgbClr val="FF0000"/>
+                  </a:solidFill>
+                </a:rPr>
+                <a:t>?</a:t>
+              </a:r>
+              <a:endParaRPr lang="en-US" sz="2400" b="1" i="1" dirty="0">
                 <a:solidFill>
                   <a:srgbClr val="FF0000"/>
                 </a:solidFill>
-              </a:rPr>
-              <a:t>?</a:t>
-            </a:r>
-            <a:endParaRPr lang="en-US" sz="2400" b="1" i="1" dirty="0">
-              <a:solidFill>
-                <a:srgbClr val="FF0000"/>
-              </a:solidFill>
-            </a:endParaRPr>
-          </a:p>
-        </p:txBody>
-      </p:sp>
+              </a:endParaRPr>
+            </a:p>
+          </p:txBody>
+        </p:sp>
+      </p:grpSp>
     </p:spTree>
     <p:extLst>
       <p:ext uri="{BB962C8B-B14F-4D97-AF65-F5344CB8AC3E}">
@@ -8062,9 +8137,197 @@
   <p:timing>
     <p:tnLst>
       <p:par>
-        <p:cTn id="1" dur="indefinite" restart="never" nodeType="tmRoot"/>
+        <p:cTn id="1" dur="indefinite" restart="never" nodeType="tmRoot">
+          <p:childTnLst>
+            <p:seq concurrent="1" nextAc="seek">
+              <p:cTn id="2" dur="indefinite" nodeType="mainSeq">
+                <p:childTnLst>
+                  <p:par>
+                    <p:cTn id="3" fill="hold">
+                      <p:stCondLst>
+                        <p:cond delay="indefinite"/>
+                      </p:stCondLst>
+                      <p:childTnLst>
+                        <p:par>
+                          <p:cTn id="4" fill="hold">
+                            <p:stCondLst>
+                              <p:cond delay="0"/>
+                            </p:stCondLst>
+                            <p:childTnLst>
+                              <p:par>
+                                <p:cTn id="5" presetID="1" presetClass="entr" presetSubtype="0" fill="hold" nodeType="clickEffect">
+                                  <p:stCondLst>
+                                    <p:cond delay="0"/>
+                                  </p:stCondLst>
+                                  <p:childTnLst>
+                                    <p:set>
+                                      <p:cBhvr>
+                                        <p:cTn id="6" dur="1" fill="hold">
+                                          <p:stCondLst>
+                                            <p:cond delay="0"/>
+                                          </p:stCondLst>
+                                        </p:cTn>
+                                        <p:tgtEl>
+                                          <p:spTgt spid="84"/>
+                                        </p:tgtEl>
+                                        <p:attrNameLst>
+                                          <p:attrName>style.visibility</p:attrName>
+                                        </p:attrNameLst>
+                                      </p:cBhvr>
+                                      <p:to>
+                                        <p:strVal val="visible"/>
+                                      </p:to>
+                                    </p:set>
+                                  </p:childTnLst>
+                                </p:cTn>
+                              </p:par>
+                            </p:childTnLst>
+                          </p:cTn>
+                        </p:par>
+                      </p:childTnLst>
+                    </p:cTn>
+                  </p:par>
+                  <p:par>
+                    <p:cTn id="7" fill="hold">
+                      <p:stCondLst>
+                        <p:cond delay="indefinite"/>
+                      </p:stCondLst>
+                      <p:childTnLst>
+                        <p:par>
+                          <p:cTn id="8" fill="hold">
+                            <p:stCondLst>
+                              <p:cond delay="0"/>
+                            </p:stCondLst>
+                            <p:childTnLst>
+                              <p:par>
+                                <p:cTn id="9" presetID="1" presetClass="entr" presetSubtype="0" fill="hold" nodeType="clickEffect">
+                                  <p:stCondLst>
+                                    <p:cond delay="0"/>
+                                  </p:stCondLst>
+                                  <p:childTnLst>
+                                    <p:set>
+                                      <p:cBhvr>
+                                        <p:cTn id="10" dur="1" fill="hold">
+                                          <p:stCondLst>
+                                            <p:cond delay="0"/>
+                                          </p:stCondLst>
+                                        </p:cTn>
+                                        <p:tgtEl>
+                                          <p:spTgt spid="74"/>
+                                        </p:tgtEl>
+                                        <p:attrNameLst>
+                                          <p:attrName>style.visibility</p:attrName>
+                                        </p:attrNameLst>
+                                      </p:cBhvr>
+                                      <p:to>
+                                        <p:strVal val="visible"/>
+                                      </p:to>
+                                    </p:set>
+                                  </p:childTnLst>
+                                </p:cTn>
+                              </p:par>
+                            </p:childTnLst>
+                          </p:cTn>
+                        </p:par>
+                      </p:childTnLst>
+                    </p:cTn>
+                  </p:par>
+                  <p:par>
+                    <p:cTn id="11" fill="hold">
+                      <p:stCondLst>
+                        <p:cond delay="indefinite"/>
+                      </p:stCondLst>
+                      <p:childTnLst>
+                        <p:par>
+                          <p:cTn id="12" fill="hold">
+                            <p:stCondLst>
+                              <p:cond delay="0"/>
+                            </p:stCondLst>
+                            <p:childTnLst>
+                              <p:par>
+                                <p:cTn id="13" presetID="1" presetClass="entr" presetSubtype="0" fill="hold" nodeType="clickEffect">
+                                  <p:stCondLst>
+                                    <p:cond delay="0"/>
+                                  </p:stCondLst>
+                                  <p:childTnLst>
+                                    <p:set>
+                                      <p:cBhvr>
+                                        <p:cTn id="14" dur="1" fill="hold">
+                                          <p:stCondLst>
+                                            <p:cond delay="0"/>
+                                          </p:stCondLst>
+                                        </p:cTn>
+                                        <p:tgtEl>
+                                          <p:spTgt spid="8"/>
+                                        </p:tgtEl>
+                                        <p:attrNameLst>
+                                          <p:attrName>style.visibility</p:attrName>
+                                        </p:attrNameLst>
+                                      </p:cBhvr>
+                                      <p:to>
+                                        <p:strVal val="visible"/>
+                                      </p:to>
+                                    </p:set>
+                                  </p:childTnLst>
+                                </p:cTn>
+                              </p:par>
+                              <p:par>
+                                <p:cTn id="15" presetID="1" presetClass="entr" presetSubtype="0" fill="hold" grpId="0" nodeType="withEffect">
+                                  <p:stCondLst>
+                                    <p:cond delay="0"/>
+                                  </p:stCondLst>
+                                  <p:childTnLst>
+                                    <p:set>
+                                      <p:cBhvr>
+                                        <p:cTn id="16" dur="1" fill="hold">
+                                          <p:stCondLst>
+                                            <p:cond delay="0"/>
+                                          </p:stCondLst>
+                                        </p:cTn>
+                                        <p:tgtEl>
+                                          <p:spTgt spid="88"/>
+                                        </p:tgtEl>
+                                        <p:attrNameLst>
+                                          <p:attrName>style.visibility</p:attrName>
+                                        </p:attrNameLst>
+                                      </p:cBhvr>
+                                      <p:to>
+                                        <p:strVal val="visible"/>
+                                      </p:to>
+                                    </p:set>
+                                  </p:childTnLst>
+                                </p:cTn>
+                              </p:par>
+                            </p:childTnLst>
+                          </p:cTn>
+                        </p:par>
+                      </p:childTnLst>
+                    </p:cTn>
+                  </p:par>
+                </p:childTnLst>
+              </p:cTn>
+              <p:prevCondLst>
+                <p:cond evt="onPrev" delay="0">
+                  <p:tgtEl>
+                    <p:sldTgt/>
+                  </p:tgtEl>
+                </p:cond>
+              </p:prevCondLst>
+              <p:nextCondLst>
+                <p:cond evt="onNext" delay="0">
+                  <p:tgtEl>
+                    <p:sldTgt/>
+                  </p:tgtEl>
+                </p:cond>
+              </p:nextCondLst>
+            </p:seq>
+          </p:childTnLst>
+        </p:cTn>
       </p:par>
     </p:tnLst>
+    <p:bldLst>
+      <p:bldP spid="88" grpId="0"/>
+    </p:bldLst>
   </p:timing>
 </p:sld>
 </file>
@@ -8086,128 +8349,6 @@
           <a:chExt cx="0" cy="0"/>
         </a:xfrm>
       </p:grpSpPr>
-      <p:sp>
-        <p:nvSpPr>
-          <p:cNvPr id="2" name="Title 1"/>
-          <p:cNvSpPr>
-            <a:spLocks noGrp="1"/>
-          </p:cNvSpPr>
-          <p:nvPr>
-            <p:ph type="title"/>
-          </p:nvPr>
-        </p:nvSpPr>
-        <p:spPr/>
-        <p:txBody>
-          <a:bodyPr/>
-          <a:lstStyle/>
-          <a:p>
-            <a:r>
-              <a:rPr lang="en-US" dirty="0" smtClean="0"/>
-              <a:t>Distance measure between clusters</a:t>
-            </a:r>
-            <a:endParaRPr lang="en-US" dirty="0"/>
-          </a:p>
-        </p:txBody>
-      </p:sp>
-      <p:sp>
-        <p:nvSpPr>
-          <p:cNvPr id="3" name="Content Placeholder 2"/>
-          <p:cNvSpPr>
-            <a:spLocks noGrp="1"/>
-          </p:cNvSpPr>
-          <p:nvPr>
-            <p:ph idx="1"/>
-          </p:nvPr>
-        </p:nvSpPr>
-        <p:spPr/>
-        <p:txBody>
-          <a:bodyPr/>
-          <a:lstStyle/>
-          <a:p>
-            <a:r>
-              <a:rPr lang="en-US" dirty="0" smtClean="0"/>
-              <a:t>Single link</a:t>
-            </a:r>
-          </a:p>
-          <a:p>
-            <a:pPr lvl="1"/>
-            <a:r>
-              <a:rPr lang="en-US" dirty="0" smtClean="0"/>
-              <a:t>Cluster distance = distance of two closest members between the clusters</a:t>
-            </a:r>
-            <a:endParaRPr lang="en-US" dirty="0"/>
-          </a:p>
-        </p:txBody>
-      </p:sp>
-      <p:sp>
-        <p:nvSpPr>
-          <p:cNvPr id="4" name="Date Placeholder 3"/>
-          <p:cNvSpPr>
-            <a:spLocks noGrp="1"/>
-          </p:cNvSpPr>
-          <p:nvPr>
-            <p:ph type="dt" sz="half" idx="10"/>
-          </p:nvPr>
-        </p:nvSpPr>
-        <p:spPr/>
-        <p:txBody>
-          <a:bodyPr/>
-          <a:lstStyle/>
-          <a:p>
-            <a:r>
-              <a:rPr lang="en-US" smtClean="0"/>
-              <a:t>CS@UVa</a:t>
-            </a:r>
-            <a:endParaRPr lang="en-US"/>
-          </a:p>
-        </p:txBody>
-      </p:sp>
-      <p:sp>
-        <p:nvSpPr>
-          <p:cNvPr id="5" name="Footer Placeholder 4"/>
-          <p:cNvSpPr>
-            <a:spLocks noGrp="1"/>
-          </p:cNvSpPr>
-          <p:nvPr>
-            <p:ph type="ftr" sz="quarter" idx="11"/>
-          </p:nvPr>
-        </p:nvSpPr>
-        <p:spPr/>
-        <p:txBody>
-          <a:bodyPr/>
-          <a:lstStyle/>
-          <a:p>
-            <a:r>
-              <a:rPr lang="en-US" smtClean="0"/>
-              <a:t>CS 6501: Text Mining</a:t>
-            </a:r>
-            <a:endParaRPr lang="en-US"/>
-          </a:p>
-        </p:txBody>
-      </p:sp>
-      <p:sp>
-        <p:nvSpPr>
-          <p:cNvPr id="6" name="Slide Number Placeholder 5"/>
-          <p:cNvSpPr>
-            <a:spLocks noGrp="1"/>
-          </p:cNvSpPr>
-          <p:nvPr>
-            <p:ph type="sldNum" sz="quarter" idx="12"/>
-          </p:nvPr>
-        </p:nvSpPr>
-        <p:spPr/>
-        <p:txBody>
-          <a:bodyPr/>
-          <a:lstStyle/>
-          <a:p>
-            <a:fld id="{43830080-A553-4B39-86B2-A82FEF2D1984}" type="slidenum">
-              <a:rPr lang="en-US" smtClean="0"/>
-              <a:t>6</a:t>
-            </a:fld>
-            <a:endParaRPr lang="en-US"/>
-          </a:p>
-        </p:txBody>
-      </p:sp>
       <p:pic>
         <p:nvPicPr>
           <p:cNvPr id="25" name="Picture 24"/>
@@ -8224,7 +8365,7 @@
         </p:blipFill>
         <p:spPr>
           <a:xfrm>
-            <a:off x="2343665" y="3502362"/>
+            <a:off x="2348365" y="3863183"/>
             <a:ext cx="4303883" cy="2623803"/>
           </a:xfrm>
           <a:prstGeom prst="rect">
@@ -8232,6 +8373,482 @@
           </a:prstGeom>
         </p:spPr>
       </p:pic>
+      <p:sp>
+        <p:nvSpPr>
+          <p:cNvPr id="2" name="Title 1"/>
+          <p:cNvSpPr>
+            <a:spLocks noGrp="1"/>
+          </p:cNvSpPr>
+          <p:nvPr>
+            <p:ph type="title"/>
+          </p:nvPr>
+        </p:nvSpPr>
+        <p:spPr/>
+        <p:txBody>
+          <a:bodyPr/>
+          <a:lstStyle/>
+          <a:p>
+            <a:r>
+              <a:rPr lang="en-US" dirty="0" smtClean="0"/>
+              <a:t>Distance measure between clusters</a:t>
+            </a:r>
+            <a:endParaRPr lang="en-US" dirty="0"/>
+          </a:p>
+        </p:txBody>
+      </p:sp>
+      <mc:AlternateContent xmlns:mc="http://schemas.openxmlformats.org/markup-compatibility/2006">
+        <mc:Choice xmlns:a14="http://schemas.microsoft.com/office/drawing/2010/main" Requires="a14">
+          <p:sp>
+            <p:nvSpPr>
+              <p:cNvPr id="3" name="Content Placeholder 2"/>
+              <p:cNvSpPr>
+                <a:spLocks noGrp="1"/>
+              </p:cNvSpPr>
+              <p:nvPr>
+                <p:ph idx="1"/>
+              </p:nvPr>
+            </p:nvSpPr>
+            <p:spPr/>
+            <p:txBody>
+              <a:bodyPr/>
+              <a:lstStyle/>
+              <a:p>
+                <a:r>
+                  <a:rPr lang="en-US" dirty="0" smtClean="0"/>
+                  <a:t>Single link</a:t>
+                </a:r>
+              </a:p>
+              <a:p>
+                <a:pPr lvl="1"/>
+                <a:r>
+                  <a:rPr lang="en-US" dirty="0" smtClean="0"/>
+                  <a:t>Cluster distance = distance of two closest members between the </a:t>
+                </a:r>
+                <a:r>
+                  <a:rPr lang="en-US" dirty="0" smtClean="0"/>
+                  <a:t>clusters</a:t>
+                </a:r>
+              </a:p>
+              <a:p>
+                <a:pPr lvl="1"/>
+                <a14:m>
+                  <m:oMath xmlns:m="http://schemas.openxmlformats.org/officeDocument/2006/math">
+                    <m:r>
+                      <a:rPr lang="en-US" i="1">
+                        <a:latin typeface="Cambria Math" panose="02040503050406030204" pitchFamily="18" charset="0"/>
+                      </a:rPr>
+                      <m:t>𝑑</m:t>
+                    </m:r>
+                    <m:d>
+                      <m:dPr>
+                        <m:ctrlPr>
+                          <a:rPr lang="en-US" i="1">
+                            <a:latin typeface="Cambria Math" panose="02040503050406030204" pitchFamily="18" charset="0"/>
+                          </a:rPr>
+                        </m:ctrlPr>
+                      </m:dPr>
+                      <m:e>
+                        <m:sSub>
+                          <m:sSubPr>
+                            <m:ctrlPr>
+                              <a:rPr lang="en-US" i="1">
+                                <a:latin typeface="Cambria Math" panose="02040503050406030204" pitchFamily="18" charset="0"/>
+                              </a:rPr>
+                            </m:ctrlPr>
+                          </m:sSubPr>
+                          <m:e>
+                            <m:r>
+                              <a:rPr lang="en-US" i="1">
+                                <a:latin typeface="Cambria Math" panose="02040503050406030204" pitchFamily="18" charset="0"/>
+                              </a:rPr>
+                              <m:t>𝑐</m:t>
+                            </m:r>
+                          </m:e>
+                          <m:sub>
+                            <m:r>
+                              <a:rPr lang="en-US" i="1">
+                                <a:latin typeface="Cambria Math" panose="02040503050406030204" pitchFamily="18" charset="0"/>
+                              </a:rPr>
+                              <m:t>𝑖</m:t>
+                            </m:r>
+                          </m:sub>
+                        </m:sSub>
+                        <m:r>
+                          <a:rPr lang="en-US" i="1">
+                            <a:latin typeface="Cambria Math" panose="02040503050406030204" pitchFamily="18" charset="0"/>
+                          </a:rPr>
+                          <m:t>,</m:t>
+                        </m:r>
+                        <m:sSub>
+                          <m:sSubPr>
+                            <m:ctrlPr>
+                              <a:rPr lang="en-US" i="1">
+                                <a:latin typeface="Cambria Math" panose="02040503050406030204" pitchFamily="18" charset="0"/>
+                              </a:rPr>
+                            </m:ctrlPr>
+                          </m:sSubPr>
+                          <m:e>
+                            <m:r>
+                              <a:rPr lang="en-US" i="1">
+                                <a:latin typeface="Cambria Math" panose="02040503050406030204" pitchFamily="18" charset="0"/>
+                              </a:rPr>
+                              <m:t>𝑐</m:t>
+                            </m:r>
+                          </m:e>
+                          <m:sub>
+                            <m:r>
+                              <a:rPr lang="en-US" i="1">
+                                <a:latin typeface="Cambria Math" panose="02040503050406030204" pitchFamily="18" charset="0"/>
+                              </a:rPr>
+                              <m:t>𝑗</m:t>
+                            </m:r>
+                          </m:sub>
+                        </m:sSub>
+                      </m:e>
+                    </m:d>
+                    <m:r>
+                      <a:rPr lang="en-US" i="1">
+                        <a:latin typeface="Cambria Math" panose="02040503050406030204" pitchFamily="18" charset="0"/>
+                      </a:rPr>
+                      <m:t>=</m:t>
+                    </m:r>
+                    <m:func>
+                      <m:funcPr>
+                        <m:ctrlPr>
+                          <a:rPr lang="en-US" i="1">
+                            <a:latin typeface="Cambria Math" panose="02040503050406030204" pitchFamily="18" charset="0"/>
+                          </a:rPr>
+                        </m:ctrlPr>
+                      </m:funcPr>
+                      <m:fName>
+                        <m:limLow>
+                          <m:limLowPr>
+                            <m:ctrlPr>
+                              <a:rPr lang="en-US" i="1">
+                                <a:latin typeface="Cambria Math" panose="02040503050406030204" pitchFamily="18" charset="0"/>
+                              </a:rPr>
+                            </m:ctrlPr>
+                          </m:limLowPr>
+                          <m:e>
+                            <m:r>
+                              <m:rPr>
+                                <m:sty m:val="p"/>
+                              </m:rPr>
+                              <a:rPr lang="en-US">
+                                <a:latin typeface="Cambria Math" panose="02040503050406030204" pitchFamily="18" charset="0"/>
+                              </a:rPr>
+                              <m:t>min</m:t>
+                            </m:r>
+                          </m:e>
+                          <m:lim>
+                            <m:sSub>
+                              <m:sSubPr>
+                                <m:ctrlPr>
+                                  <a:rPr lang="en-US" i="1">
+                                    <a:latin typeface="Cambria Math" panose="02040503050406030204" pitchFamily="18" charset="0"/>
+                                  </a:rPr>
+                                </m:ctrlPr>
+                              </m:sSubPr>
+                              <m:e>
+                                <m:r>
+                                  <a:rPr lang="en-US" i="1">
+                                    <a:latin typeface="Cambria Math" panose="02040503050406030204" pitchFamily="18" charset="0"/>
+                                  </a:rPr>
+                                  <m:t>𝑥</m:t>
+                                </m:r>
+                              </m:e>
+                              <m:sub>
+                                <m:r>
+                                  <a:rPr lang="en-US" i="1">
+                                    <a:latin typeface="Cambria Math" panose="02040503050406030204" pitchFamily="18" charset="0"/>
+                                  </a:rPr>
+                                  <m:t>𝑛</m:t>
+                                </m:r>
+                              </m:sub>
+                            </m:sSub>
+                            <m:r>
+                              <a:rPr lang="en-US" i="1">
+                                <a:latin typeface="Cambria Math" panose="02040503050406030204" pitchFamily="18" charset="0"/>
+                              </a:rPr>
+                              <m:t>∈</m:t>
+                            </m:r>
+                            <m:sSub>
+                              <m:sSubPr>
+                                <m:ctrlPr>
+                                  <a:rPr lang="en-US" i="1">
+                                    <a:latin typeface="Cambria Math" panose="02040503050406030204" pitchFamily="18" charset="0"/>
+                                  </a:rPr>
+                                </m:ctrlPr>
+                              </m:sSubPr>
+                              <m:e>
+                                <m:r>
+                                  <a:rPr lang="en-US" i="1">
+                                    <a:latin typeface="Cambria Math" panose="02040503050406030204" pitchFamily="18" charset="0"/>
+                                  </a:rPr>
+                                  <m:t>𝑐</m:t>
+                                </m:r>
+                              </m:e>
+                              <m:sub>
+                                <m:r>
+                                  <a:rPr lang="en-US" i="1">
+                                    <a:latin typeface="Cambria Math" panose="02040503050406030204" pitchFamily="18" charset="0"/>
+                                  </a:rPr>
+                                  <m:t>𝑖</m:t>
+                                </m:r>
+                              </m:sub>
+                            </m:sSub>
+                            <m:r>
+                              <a:rPr lang="en-US" i="1">
+                                <a:latin typeface="Cambria Math" panose="02040503050406030204" pitchFamily="18" charset="0"/>
+                              </a:rPr>
+                              <m:t>,</m:t>
+                            </m:r>
+                            <m:sSub>
+                              <m:sSubPr>
+                                <m:ctrlPr>
+                                  <a:rPr lang="en-US" i="1">
+                                    <a:latin typeface="Cambria Math" panose="02040503050406030204" pitchFamily="18" charset="0"/>
+                                  </a:rPr>
+                                </m:ctrlPr>
+                              </m:sSubPr>
+                              <m:e>
+                                <m:r>
+                                  <a:rPr lang="en-US" i="1">
+                                    <a:latin typeface="Cambria Math" panose="02040503050406030204" pitchFamily="18" charset="0"/>
+                                  </a:rPr>
+                                  <m:t>𝑥</m:t>
+                                </m:r>
+                              </m:e>
+                              <m:sub>
+                                <m:r>
+                                  <a:rPr lang="en-US" i="1">
+                                    <a:latin typeface="Cambria Math" panose="02040503050406030204" pitchFamily="18" charset="0"/>
+                                  </a:rPr>
+                                  <m:t>𝑚</m:t>
+                                </m:r>
+                              </m:sub>
+                            </m:sSub>
+                            <m:r>
+                              <a:rPr lang="en-US" i="1">
+                                <a:latin typeface="Cambria Math" panose="02040503050406030204" pitchFamily="18" charset="0"/>
+                              </a:rPr>
+                              <m:t>∈</m:t>
+                            </m:r>
+                            <m:sSub>
+                              <m:sSubPr>
+                                <m:ctrlPr>
+                                  <a:rPr lang="en-US" i="1">
+                                    <a:latin typeface="Cambria Math" panose="02040503050406030204" pitchFamily="18" charset="0"/>
+                                  </a:rPr>
+                                </m:ctrlPr>
+                              </m:sSubPr>
+                              <m:e>
+                                <m:r>
+                                  <a:rPr lang="en-US" i="1">
+                                    <a:latin typeface="Cambria Math" panose="02040503050406030204" pitchFamily="18" charset="0"/>
+                                  </a:rPr>
+                                  <m:t>𝑐</m:t>
+                                </m:r>
+                              </m:e>
+                              <m:sub>
+                                <m:r>
+                                  <a:rPr lang="en-US" i="1">
+                                    <a:latin typeface="Cambria Math" panose="02040503050406030204" pitchFamily="18" charset="0"/>
+                                  </a:rPr>
+                                  <m:t>𝑗</m:t>
+                                </m:r>
+                              </m:sub>
+                            </m:sSub>
+                          </m:lim>
+                        </m:limLow>
+                      </m:fName>
+                      <m:e>
+                        <m:r>
+                          <a:rPr lang="en-US" i="1">
+                            <a:latin typeface="Cambria Math" panose="02040503050406030204" pitchFamily="18" charset="0"/>
+                          </a:rPr>
+                          <m:t>𝑑</m:t>
+                        </m:r>
+                        <m:r>
+                          <a:rPr lang="en-US" i="1">
+                            <a:latin typeface="Cambria Math" panose="02040503050406030204" pitchFamily="18" charset="0"/>
+                          </a:rPr>
+                          <m:t>(</m:t>
+                        </m:r>
+                        <m:sSub>
+                          <m:sSubPr>
+                            <m:ctrlPr>
+                              <a:rPr lang="en-US" i="1">
+                                <a:latin typeface="Cambria Math" panose="02040503050406030204" pitchFamily="18" charset="0"/>
+                              </a:rPr>
+                            </m:ctrlPr>
+                          </m:sSubPr>
+                          <m:e>
+                            <m:r>
+                              <a:rPr lang="en-US" i="1">
+                                <a:latin typeface="Cambria Math" panose="02040503050406030204" pitchFamily="18" charset="0"/>
+                              </a:rPr>
+                              <m:t>𝑥</m:t>
+                            </m:r>
+                          </m:e>
+                          <m:sub>
+                            <m:r>
+                              <a:rPr lang="en-US" b="0" i="1" smtClean="0">
+                                <a:latin typeface="Cambria Math" panose="02040503050406030204" pitchFamily="18" charset="0"/>
+                              </a:rPr>
+                              <m:t>𝑛</m:t>
+                            </m:r>
+                          </m:sub>
+                        </m:sSub>
+                        <m:r>
+                          <a:rPr lang="en-US" i="1">
+                            <a:latin typeface="Cambria Math" panose="02040503050406030204" pitchFamily="18" charset="0"/>
+                          </a:rPr>
+                          <m:t>,</m:t>
+                        </m:r>
+                        <m:sSub>
+                          <m:sSubPr>
+                            <m:ctrlPr>
+                              <a:rPr lang="en-US" i="1">
+                                <a:latin typeface="Cambria Math" panose="02040503050406030204" pitchFamily="18" charset="0"/>
+                              </a:rPr>
+                            </m:ctrlPr>
+                          </m:sSubPr>
+                          <m:e>
+                            <m:r>
+                              <a:rPr lang="en-US" i="1">
+                                <a:latin typeface="Cambria Math" panose="02040503050406030204" pitchFamily="18" charset="0"/>
+                              </a:rPr>
+                              <m:t>𝑥</m:t>
+                            </m:r>
+                          </m:e>
+                          <m:sub>
+                            <m:r>
+                              <a:rPr lang="en-US" b="0" i="1" smtClean="0">
+                                <a:latin typeface="Cambria Math" panose="02040503050406030204" pitchFamily="18" charset="0"/>
+                              </a:rPr>
+                              <m:t>𝑚</m:t>
+                            </m:r>
+                          </m:sub>
+                        </m:sSub>
+                        <m:r>
+                          <a:rPr lang="en-US" i="1">
+                            <a:latin typeface="Cambria Math" panose="02040503050406030204" pitchFamily="18" charset="0"/>
+                          </a:rPr>
+                          <m:t>)</m:t>
+                        </m:r>
+                      </m:e>
+                    </m:func>
+                  </m:oMath>
+                </a14:m>
+                <a:endParaRPr lang="en-US" dirty="0"/>
+              </a:p>
+            </p:txBody>
+          </p:sp>
+        </mc:Choice>
+        <mc:Fallback>
+          <p:sp>
+            <p:nvSpPr>
+              <p:cNvPr id="3" name="Content Placeholder 2"/>
+              <p:cNvSpPr>
+                <a:spLocks noGrp="1" noRot="1" noChangeAspect="1" noMove="1" noResize="1" noEditPoints="1" noAdjustHandles="1" noChangeArrowheads="1" noChangeShapeType="1" noTextEdit="1"/>
+              </p:cNvSpPr>
+              <p:nvPr>
+                <p:ph idx="1"/>
+              </p:nvPr>
+            </p:nvSpPr>
+            <p:spPr>
+              <a:blipFill rotWithShape="0">
+                <a:blip r:embed="rId3"/>
+                <a:stretch>
+                  <a:fillRect l="-1704" t="-1752"/>
+                </a:stretch>
+              </a:blipFill>
+            </p:spPr>
+            <p:txBody>
+              <a:bodyPr/>
+              <a:lstStyle/>
+              <a:p>
+                <a:r>
+                  <a:rPr lang="en-US">
+                    <a:noFill/>
+                  </a:rPr>
+                  <a:t> </a:t>
+                </a:r>
+              </a:p>
+            </p:txBody>
+          </p:sp>
+        </mc:Fallback>
+      </mc:AlternateContent>
+      <p:sp>
+        <p:nvSpPr>
+          <p:cNvPr id="4" name="Date Placeholder 3"/>
+          <p:cNvSpPr>
+            <a:spLocks noGrp="1"/>
+          </p:cNvSpPr>
+          <p:nvPr>
+            <p:ph type="dt" sz="half" idx="10"/>
+          </p:nvPr>
+        </p:nvSpPr>
+        <p:spPr/>
+        <p:txBody>
+          <a:bodyPr/>
+          <a:lstStyle/>
+          <a:p>
+            <a:r>
+              <a:rPr lang="en-US" smtClean="0"/>
+              <a:t>CS@UVa</a:t>
+            </a:r>
+            <a:endParaRPr lang="en-US"/>
+          </a:p>
+        </p:txBody>
+      </p:sp>
+      <p:sp>
+        <p:nvSpPr>
+          <p:cNvPr id="5" name="Footer Placeholder 4"/>
+          <p:cNvSpPr>
+            <a:spLocks noGrp="1"/>
+          </p:cNvSpPr>
+          <p:nvPr>
+            <p:ph type="ftr" sz="quarter" idx="11"/>
+          </p:nvPr>
+        </p:nvSpPr>
+        <p:spPr/>
+        <p:txBody>
+          <a:bodyPr/>
+          <a:lstStyle/>
+          <a:p>
+            <a:r>
+              <a:rPr lang="en-US" smtClean="0"/>
+              <a:t>CS 6501: Text Mining</a:t>
+            </a:r>
+            <a:endParaRPr lang="en-US"/>
+          </a:p>
+        </p:txBody>
+      </p:sp>
+      <p:sp>
+        <p:nvSpPr>
+          <p:cNvPr id="6" name="Slide Number Placeholder 5"/>
+          <p:cNvSpPr>
+            <a:spLocks noGrp="1"/>
+          </p:cNvSpPr>
+          <p:nvPr>
+            <p:ph type="sldNum" sz="quarter" idx="12"/>
+          </p:nvPr>
+        </p:nvSpPr>
+        <p:spPr/>
+        <p:txBody>
+          <a:bodyPr/>
+          <a:lstStyle/>
+          <a:p>
+            <a:fld id="{43830080-A553-4B39-86B2-A82FEF2D1984}" type="slidenum">
+              <a:rPr lang="en-US" smtClean="0"/>
+              <a:t>6</a:t>
+            </a:fld>
+            <a:endParaRPr lang="en-US"/>
+          </a:p>
+        </p:txBody>
+      </p:sp>
       <p:sp>
         <p:nvSpPr>
           <p:cNvPr id="26" name="TextBox 25"/>
@@ -8283,9 +8900,80 @@
   <p:timing>
     <p:tnLst>
       <p:par>
-        <p:cTn id="1" dur="indefinite" restart="never" nodeType="tmRoot"/>
+        <p:cTn id="1" dur="indefinite" restart="never" nodeType="tmRoot">
+          <p:childTnLst>
+            <p:seq concurrent="1" nextAc="seek">
+              <p:cTn id="2" dur="indefinite" nodeType="mainSeq">
+                <p:childTnLst>
+                  <p:par>
+                    <p:cTn id="3" fill="hold">
+                      <p:stCondLst>
+                        <p:cond delay="indefinite"/>
+                      </p:stCondLst>
+                      <p:childTnLst>
+                        <p:par>
+                          <p:cTn id="4" fill="hold">
+                            <p:stCondLst>
+                              <p:cond delay="0"/>
+                            </p:stCondLst>
+                            <p:childTnLst>
+                              <p:par>
+                                <p:cTn id="5" presetID="1" presetClass="entr" presetSubtype="0" fill="hold" grpId="0" nodeType="clickEffect">
+                                  <p:stCondLst>
+                                    <p:cond delay="0"/>
+                                  </p:stCondLst>
+                                  <p:childTnLst>
+                                    <p:set>
+                                      <p:cBhvr>
+                                        <p:cTn id="6" dur="1" fill="hold">
+                                          <p:stCondLst>
+                                            <p:cond delay="0"/>
+                                          </p:stCondLst>
+                                        </p:cTn>
+                                        <p:tgtEl>
+                                          <p:spTgt spid="26"/>
+                                        </p:tgtEl>
+                                        <p:attrNameLst>
+                                          <p:attrName>style.visibility</p:attrName>
+                                        </p:attrNameLst>
+                                      </p:cBhvr>
+                                      <p:to>
+                                        <p:strVal val="visible"/>
+                                      </p:to>
+                                    </p:set>
+                                  </p:childTnLst>
+                                </p:cTn>
+                              </p:par>
+                            </p:childTnLst>
+                          </p:cTn>
+                        </p:par>
+                      </p:childTnLst>
+                    </p:cTn>
+                  </p:par>
+                </p:childTnLst>
+              </p:cTn>
+              <p:prevCondLst>
+                <p:cond evt="onPrev" delay="0">
+                  <p:tgtEl>
+                    <p:sldTgt/>
+                  </p:tgtEl>
+                </p:cond>
+              </p:prevCondLst>
+              <p:nextCondLst>
+                <p:cond evt="onNext" delay="0">
+                  <p:tgtEl>
+                    <p:sldTgt/>
+                  </p:tgtEl>
+                </p:cond>
+              </p:nextCondLst>
+            </p:seq>
+          </p:childTnLst>
+        </p:cTn>
       </p:par>
     </p:tnLst>
+    <p:bldLst>
+      <p:bldP spid="26" grpId="0"/>
+    </p:bldLst>
   </p:timing>
 </p:sld>
 </file>
@@ -8307,128 +8995,6 @@
           <a:chExt cx="0" cy="0"/>
         </a:xfrm>
       </p:grpSpPr>
-      <p:sp>
-        <p:nvSpPr>
-          <p:cNvPr id="2" name="Title 1"/>
-          <p:cNvSpPr>
-            <a:spLocks noGrp="1"/>
-          </p:cNvSpPr>
-          <p:nvPr>
-            <p:ph type="title"/>
-          </p:nvPr>
-        </p:nvSpPr>
-        <p:spPr/>
-        <p:txBody>
-          <a:bodyPr/>
-          <a:lstStyle/>
-          <a:p>
-            <a:r>
-              <a:rPr lang="en-US" dirty="0" smtClean="0"/>
-              <a:t>Distance measure between clusters</a:t>
-            </a:r>
-            <a:endParaRPr lang="en-US" dirty="0"/>
-          </a:p>
-        </p:txBody>
-      </p:sp>
-      <p:sp>
-        <p:nvSpPr>
-          <p:cNvPr id="3" name="Content Placeholder 2"/>
-          <p:cNvSpPr>
-            <a:spLocks noGrp="1"/>
-          </p:cNvSpPr>
-          <p:nvPr>
-            <p:ph idx="1"/>
-          </p:nvPr>
-        </p:nvSpPr>
-        <p:spPr/>
-        <p:txBody>
-          <a:bodyPr/>
-          <a:lstStyle/>
-          <a:p>
-            <a:r>
-              <a:rPr lang="en-US" dirty="0" smtClean="0"/>
-              <a:t>Complete link</a:t>
-            </a:r>
-          </a:p>
-          <a:p>
-            <a:pPr lvl="1"/>
-            <a:r>
-              <a:rPr lang="en-US" dirty="0" smtClean="0"/>
-              <a:t>Cluster distance = distance of two farthest members between the clusters</a:t>
-            </a:r>
-            <a:endParaRPr lang="en-US" dirty="0"/>
-          </a:p>
-        </p:txBody>
-      </p:sp>
-      <p:sp>
-        <p:nvSpPr>
-          <p:cNvPr id="4" name="Date Placeholder 3"/>
-          <p:cNvSpPr>
-            <a:spLocks noGrp="1"/>
-          </p:cNvSpPr>
-          <p:nvPr>
-            <p:ph type="dt" sz="half" idx="10"/>
-          </p:nvPr>
-        </p:nvSpPr>
-        <p:spPr/>
-        <p:txBody>
-          <a:bodyPr/>
-          <a:lstStyle/>
-          <a:p>
-            <a:r>
-              <a:rPr lang="en-US" smtClean="0"/>
-              <a:t>CS@UVa</a:t>
-            </a:r>
-            <a:endParaRPr lang="en-US"/>
-          </a:p>
-        </p:txBody>
-      </p:sp>
-      <p:sp>
-        <p:nvSpPr>
-          <p:cNvPr id="5" name="Footer Placeholder 4"/>
-          <p:cNvSpPr>
-            <a:spLocks noGrp="1"/>
-          </p:cNvSpPr>
-          <p:nvPr>
-            <p:ph type="ftr" sz="quarter" idx="11"/>
-          </p:nvPr>
-        </p:nvSpPr>
-        <p:spPr/>
-        <p:txBody>
-          <a:bodyPr/>
-          <a:lstStyle/>
-          <a:p>
-            <a:r>
-              <a:rPr lang="en-US" smtClean="0"/>
-              <a:t>CS 6501: Text Mining</a:t>
-            </a:r>
-            <a:endParaRPr lang="en-US"/>
-          </a:p>
-        </p:txBody>
-      </p:sp>
-      <p:sp>
-        <p:nvSpPr>
-          <p:cNvPr id="6" name="Slide Number Placeholder 5"/>
-          <p:cNvSpPr>
-            <a:spLocks noGrp="1"/>
-          </p:cNvSpPr>
-          <p:nvPr>
-            <p:ph type="sldNum" sz="quarter" idx="12"/>
-          </p:nvPr>
-        </p:nvSpPr>
-        <p:spPr/>
-        <p:txBody>
-          <a:bodyPr/>
-          <a:lstStyle/>
-          <a:p>
-            <a:fld id="{43830080-A553-4B39-86B2-A82FEF2D1984}" type="slidenum">
-              <a:rPr lang="en-US" smtClean="0"/>
-              <a:t>7</a:t>
-            </a:fld>
-            <a:endParaRPr lang="en-US"/>
-          </a:p>
-        </p:txBody>
-      </p:sp>
       <p:pic>
         <p:nvPicPr>
           <p:cNvPr id="7" name="Picture 6"/>
@@ -8445,7 +9011,7 @@
         </p:blipFill>
         <p:spPr>
           <a:xfrm>
-            <a:off x="2363873" y="3583625"/>
+            <a:off x="2363873" y="3887952"/>
             <a:ext cx="4416253" cy="2468400"/>
           </a:xfrm>
           <a:prstGeom prst="rect">
@@ -8453,6 +9019,482 @@
           </a:prstGeom>
         </p:spPr>
       </p:pic>
+      <p:sp>
+        <p:nvSpPr>
+          <p:cNvPr id="2" name="Title 1"/>
+          <p:cNvSpPr>
+            <a:spLocks noGrp="1"/>
+          </p:cNvSpPr>
+          <p:nvPr>
+            <p:ph type="title"/>
+          </p:nvPr>
+        </p:nvSpPr>
+        <p:spPr/>
+        <p:txBody>
+          <a:bodyPr/>
+          <a:lstStyle/>
+          <a:p>
+            <a:r>
+              <a:rPr lang="en-US" dirty="0" smtClean="0"/>
+              <a:t>Distance measure between clusters</a:t>
+            </a:r>
+            <a:endParaRPr lang="en-US" dirty="0"/>
+          </a:p>
+        </p:txBody>
+      </p:sp>
+      <mc:AlternateContent xmlns:mc="http://schemas.openxmlformats.org/markup-compatibility/2006">
+        <mc:Choice xmlns:a14="http://schemas.microsoft.com/office/drawing/2010/main" Requires="a14">
+          <p:sp>
+            <p:nvSpPr>
+              <p:cNvPr id="3" name="Content Placeholder 2"/>
+              <p:cNvSpPr>
+                <a:spLocks noGrp="1"/>
+              </p:cNvSpPr>
+              <p:nvPr>
+                <p:ph idx="1"/>
+              </p:nvPr>
+            </p:nvSpPr>
+            <p:spPr/>
+            <p:txBody>
+              <a:bodyPr/>
+              <a:lstStyle/>
+              <a:p>
+                <a:r>
+                  <a:rPr lang="en-US" dirty="0" smtClean="0"/>
+                  <a:t>Complete link</a:t>
+                </a:r>
+              </a:p>
+              <a:p>
+                <a:pPr lvl="1"/>
+                <a:r>
+                  <a:rPr lang="en-US" dirty="0" smtClean="0"/>
+                  <a:t>Cluster distance = distance of two farthest members between the </a:t>
+                </a:r>
+                <a:r>
+                  <a:rPr lang="en-US" dirty="0" smtClean="0"/>
+                  <a:t>clusters</a:t>
+                </a:r>
+              </a:p>
+              <a:p>
+                <a:pPr lvl="1"/>
+                <a14:m>
+                  <m:oMath xmlns:m="http://schemas.openxmlformats.org/officeDocument/2006/math">
+                    <m:r>
+                      <a:rPr lang="en-US" i="1">
+                        <a:latin typeface="Cambria Math" panose="02040503050406030204" pitchFamily="18" charset="0"/>
+                      </a:rPr>
+                      <m:t>𝑑</m:t>
+                    </m:r>
+                    <m:d>
+                      <m:dPr>
+                        <m:ctrlPr>
+                          <a:rPr lang="en-US" i="1">
+                            <a:latin typeface="Cambria Math" panose="02040503050406030204" pitchFamily="18" charset="0"/>
+                          </a:rPr>
+                        </m:ctrlPr>
+                      </m:dPr>
+                      <m:e>
+                        <m:sSub>
+                          <m:sSubPr>
+                            <m:ctrlPr>
+                              <a:rPr lang="en-US" i="1">
+                                <a:latin typeface="Cambria Math" panose="02040503050406030204" pitchFamily="18" charset="0"/>
+                              </a:rPr>
+                            </m:ctrlPr>
+                          </m:sSubPr>
+                          <m:e>
+                            <m:r>
+                              <a:rPr lang="en-US" i="1">
+                                <a:latin typeface="Cambria Math" panose="02040503050406030204" pitchFamily="18" charset="0"/>
+                              </a:rPr>
+                              <m:t>𝑐</m:t>
+                            </m:r>
+                          </m:e>
+                          <m:sub>
+                            <m:r>
+                              <a:rPr lang="en-US" i="1">
+                                <a:latin typeface="Cambria Math" panose="02040503050406030204" pitchFamily="18" charset="0"/>
+                              </a:rPr>
+                              <m:t>𝑖</m:t>
+                            </m:r>
+                          </m:sub>
+                        </m:sSub>
+                        <m:r>
+                          <a:rPr lang="en-US" i="1">
+                            <a:latin typeface="Cambria Math" panose="02040503050406030204" pitchFamily="18" charset="0"/>
+                          </a:rPr>
+                          <m:t>,</m:t>
+                        </m:r>
+                        <m:sSub>
+                          <m:sSubPr>
+                            <m:ctrlPr>
+                              <a:rPr lang="en-US" i="1">
+                                <a:latin typeface="Cambria Math" panose="02040503050406030204" pitchFamily="18" charset="0"/>
+                              </a:rPr>
+                            </m:ctrlPr>
+                          </m:sSubPr>
+                          <m:e>
+                            <m:r>
+                              <a:rPr lang="en-US" i="1">
+                                <a:latin typeface="Cambria Math" panose="02040503050406030204" pitchFamily="18" charset="0"/>
+                              </a:rPr>
+                              <m:t>𝑐</m:t>
+                            </m:r>
+                          </m:e>
+                          <m:sub>
+                            <m:r>
+                              <a:rPr lang="en-US" i="1">
+                                <a:latin typeface="Cambria Math" panose="02040503050406030204" pitchFamily="18" charset="0"/>
+                              </a:rPr>
+                              <m:t>𝑗</m:t>
+                            </m:r>
+                          </m:sub>
+                        </m:sSub>
+                      </m:e>
+                    </m:d>
+                    <m:r>
+                      <a:rPr lang="en-US" i="1">
+                        <a:latin typeface="Cambria Math" panose="02040503050406030204" pitchFamily="18" charset="0"/>
+                      </a:rPr>
+                      <m:t>=</m:t>
+                    </m:r>
+                    <m:func>
+                      <m:funcPr>
+                        <m:ctrlPr>
+                          <a:rPr lang="en-US" i="1">
+                            <a:latin typeface="Cambria Math" panose="02040503050406030204" pitchFamily="18" charset="0"/>
+                          </a:rPr>
+                        </m:ctrlPr>
+                      </m:funcPr>
+                      <m:fName>
+                        <m:limLow>
+                          <m:limLowPr>
+                            <m:ctrlPr>
+                              <a:rPr lang="en-US" i="1">
+                                <a:latin typeface="Cambria Math" panose="02040503050406030204" pitchFamily="18" charset="0"/>
+                              </a:rPr>
+                            </m:ctrlPr>
+                          </m:limLowPr>
+                          <m:e>
+                            <m:r>
+                              <m:rPr>
+                                <m:sty m:val="p"/>
+                              </m:rPr>
+                              <a:rPr lang="en-US" b="0" i="0" smtClean="0">
+                                <a:latin typeface="Cambria Math" panose="02040503050406030204" pitchFamily="18" charset="0"/>
+                              </a:rPr>
+                              <m:t>max</m:t>
+                            </m:r>
+                          </m:e>
+                          <m:lim>
+                            <m:sSub>
+                              <m:sSubPr>
+                                <m:ctrlPr>
+                                  <a:rPr lang="en-US" i="1">
+                                    <a:latin typeface="Cambria Math" panose="02040503050406030204" pitchFamily="18" charset="0"/>
+                                  </a:rPr>
+                                </m:ctrlPr>
+                              </m:sSubPr>
+                              <m:e>
+                                <m:r>
+                                  <a:rPr lang="en-US" i="1">
+                                    <a:latin typeface="Cambria Math" panose="02040503050406030204" pitchFamily="18" charset="0"/>
+                                  </a:rPr>
+                                  <m:t>𝑥</m:t>
+                                </m:r>
+                              </m:e>
+                              <m:sub>
+                                <m:r>
+                                  <a:rPr lang="en-US" i="1">
+                                    <a:latin typeface="Cambria Math" panose="02040503050406030204" pitchFamily="18" charset="0"/>
+                                  </a:rPr>
+                                  <m:t>𝑛</m:t>
+                                </m:r>
+                              </m:sub>
+                            </m:sSub>
+                            <m:r>
+                              <a:rPr lang="en-US" i="1">
+                                <a:latin typeface="Cambria Math" panose="02040503050406030204" pitchFamily="18" charset="0"/>
+                              </a:rPr>
+                              <m:t>∈</m:t>
+                            </m:r>
+                            <m:sSub>
+                              <m:sSubPr>
+                                <m:ctrlPr>
+                                  <a:rPr lang="en-US" i="1">
+                                    <a:latin typeface="Cambria Math" panose="02040503050406030204" pitchFamily="18" charset="0"/>
+                                  </a:rPr>
+                                </m:ctrlPr>
+                              </m:sSubPr>
+                              <m:e>
+                                <m:r>
+                                  <a:rPr lang="en-US" i="1">
+                                    <a:latin typeface="Cambria Math" panose="02040503050406030204" pitchFamily="18" charset="0"/>
+                                  </a:rPr>
+                                  <m:t>𝑐</m:t>
+                                </m:r>
+                              </m:e>
+                              <m:sub>
+                                <m:r>
+                                  <a:rPr lang="en-US" i="1">
+                                    <a:latin typeface="Cambria Math" panose="02040503050406030204" pitchFamily="18" charset="0"/>
+                                  </a:rPr>
+                                  <m:t>𝑖</m:t>
+                                </m:r>
+                              </m:sub>
+                            </m:sSub>
+                            <m:r>
+                              <a:rPr lang="en-US" i="1">
+                                <a:latin typeface="Cambria Math" panose="02040503050406030204" pitchFamily="18" charset="0"/>
+                              </a:rPr>
+                              <m:t>,</m:t>
+                            </m:r>
+                            <m:sSub>
+                              <m:sSubPr>
+                                <m:ctrlPr>
+                                  <a:rPr lang="en-US" i="1">
+                                    <a:latin typeface="Cambria Math" panose="02040503050406030204" pitchFamily="18" charset="0"/>
+                                  </a:rPr>
+                                </m:ctrlPr>
+                              </m:sSubPr>
+                              <m:e>
+                                <m:r>
+                                  <a:rPr lang="en-US" i="1">
+                                    <a:latin typeface="Cambria Math" panose="02040503050406030204" pitchFamily="18" charset="0"/>
+                                  </a:rPr>
+                                  <m:t>𝑥</m:t>
+                                </m:r>
+                              </m:e>
+                              <m:sub>
+                                <m:r>
+                                  <a:rPr lang="en-US" i="1">
+                                    <a:latin typeface="Cambria Math" panose="02040503050406030204" pitchFamily="18" charset="0"/>
+                                  </a:rPr>
+                                  <m:t>𝑚</m:t>
+                                </m:r>
+                              </m:sub>
+                            </m:sSub>
+                            <m:r>
+                              <a:rPr lang="en-US" i="1">
+                                <a:latin typeface="Cambria Math" panose="02040503050406030204" pitchFamily="18" charset="0"/>
+                              </a:rPr>
+                              <m:t>∈</m:t>
+                            </m:r>
+                            <m:sSub>
+                              <m:sSubPr>
+                                <m:ctrlPr>
+                                  <a:rPr lang="en-US" i="1">
+                                    <a:latin typeface="Cambria Math" panose="02040503050406030204" pitchFamily="18" charset="0"/>
+                                  </a:rPr>
+                                </m:ctrlPr>
+                              </m:sSubPr>
+                              <m:e>
+                                <m:r>
+                                  <a:rPr lang="en-US" i="1">
+                                    <a:latin typeface="Cambria Math" panose="02040503050406030204" pitchFamily="18" charset="0"/>
+                                  </a:rPr>
+                                  <m:t>𝑐</m:t>
+                                </m:r>
+                              </m:e>
+                              <m:sub>
+                                <m:r>
+                                  <a:rPr lang="en-US" i="1">
+                                    <a:latin typeface="Cambria Math" panose="02040503050406030204" pitchFamily="18" charset="0"/>
+                                  </a:rPr>
+                                  <m:t>𝑗</m:t>
+                                </m:r>
+                              </m:sub>
+                            </m:sSub>
+                          </m:lim>
+                        </m:limLow>
+                      </m:fName>
+                      <m:e>
+                        <m:r>
+                          <a:rPr lang="en-US" i="1">
+                            <a:latin typeface="Cambria Math" panose="02040503050406030204" pitchFamily="18" charset="0"/>
+                          </a:rPr>
+                          <m:t>𝑑</m:t>
+                        </m:r>
+                        <m:r>
+                          <a:rPr lang="en-US" i="1">
+                            <a:latin typeface="Cambria Math" panose="02040503050406030204" pitchFamily="18" charset="0"/>
+                          </a:rPr>
+                          <m:t>(</m:t>
+                        </m:r>
+                        <m:sSub>
+                          <m:sSubPr>
+                            <m:ctrlPr>
+                              <a:rPr lang="en-US" i="1">
+                                <a:latin typeface="Cambria Math" panose="02040503050406030204" pitchFamily="18" charset="0"/>
+                              </a:rPr>
+                            </m:ctrlPr>
+                          </m:sSubPr>
+                          <m:e>
+                            <m:r>
+                              <a:rPr lang="en-US" i="1">
+                                <a:latin typeface="Cambria Math" panose="02040503050406030204" pitchFamily="18" charset="0"/>
+                              </a:rPr>
+                              <m:t>𝑥</m:t>
+                            </m:r>
+                          </m:e>
+                          <m:sub>
+                            <m:r>
+                              <a:rPr lang="en-US" b="0" i="1" smtClean="0">
+                                <a:latin typeface="Cambria Math" panose="02040503050406030204" pitchFamily="18" charset="0"/>
+                              </a:rPr>
+                              <m:t>𝑛</m:t>
+                            </m:r>
+                          </m:sub>
+                        </m:sSub>
+                        <m:r>
+                          <a:rPr lang="en-US" i="1">
+                            <a:latin typeface="Cambria Math" panose="02040503050406030204" pitchFamily="18" charset="0"/>
+                          </a:rPr>
+                          <m:t>,</m:t>
+                        </m:r>
+                        <m:sSub>
+                          <m:sSubPr>
+                            <m:ctrlPr>
+                              <a:rPr lang="en-US" i="1">
+                                <a:latin typeface="Cambria Math" panose="02040503050406030204" pitchFamily="18" charset="0"/>
+                              </a:rPr>
+                            </m:ctrlPr>
+                          </m:sSubPr>
+                          <m:e>
+                            <m:r>
+                              <a:rPr lang="en-US" i="1">
+                                <a:latin typeface="Cambria Math" panose="02040503050406030204" pitchFamily="18" charset="0"/>
+                              </a:rPr>
+                              <m:t>𝑥</m:t>
+                            </m:r>
+                          </m:e>
+                          <m:sub>
+                            <m:r>
+                              <a:rPr lang="en-US" b="0" i="1" smtClean="0">
+                                <a:latin typeface="Cambria Math" panose="02040503050406030204" pitchFamily="18" charset="0"/>
+                              </a:rPr>
+                              <m:t>𝑚</m:t>
+                            </m:r>
+                          </m:sub>
+                        </m:sSub>
+                        <m:r>
+                          <a:rPr lang="en-US" i="1">
+                            <a:latin typeface="Cambria Math" panose="02040503050406030204" pitchFamily="18" charset="0"/>
+                          </a:rPr>
+                          <m:t>)</m:t>
+                        </m:r>
+                      </m:e>
+                    </m:func>
+                  </m:oMath>
+                </a14:m>
+                <a:endParaRPr lang="en-US" dirty="0"/>
+              </a:p>
+            </p:txBody>
+          </p:sp>
+        </mc:Choice>
+        <mc:Fallback>
+          <p:sp>
+            <p:nvSpPr>
+              <p:cNvPr id="3" name="Content Placeholder 2"/>
+              <p:cNvSpPr>
+                <a:spLocks noGrp="1" noRot="1" noChangeAspect="1" noMove="1" noResize="1" noEditPoints="1" noAdjustHandles="1" noChangeArrowheads="1" noChangeShapeType="1" noTextEdit="1"/>
+              </p:cNvSpPr>
+              <p:nvPr>
+                <p:ph idx="1"/>
+              </p:nvPr>
+            </p:nvSpPr>
+            <p:spPr>
+              <a:blipFill rotWithShape="0">
+                <a:blip r:embed="rId3"/>
+                <a:stretch>
+                  <a:fillRect l="-1704" t="-1752"/>
+                </a:stretch>
+              </a:blipFill>
+            </p:spPr>
+            <p:txBody>
+              <a:bodyPr/>
+              <a:lstStyle/>
+              <a:p>
+                <a:r>
+                  <a:rPr lang="en-US">
+                    <a:noFill/>
+                  </a:rPr>
+                  <a:t> </a:t>
+                </a:r>
+              </a:p>
+            </p:txBody>
+          </p:sp>
+        </mc:Fallback>
+      </mc:AlternateContent>
+      <p:sp>
+        <p:nvSpPr>
+          <p:cNvPr id="4" name="Date Placeholder 3"/>
+          <p:cNvSpPr>
+            <a:spLocks noGrp="1"/>
+          </p:cNvSpPr>
+          <p:nvPr>
+            <p:ph type="dt" sz="half" idx="10"/>
+          </p:nvPr>
+        </p:nvSpPr>
+        <p:spPr/>
+        <p:txBody>
+          <a:bodyPr/>
+          <a:lstStyle/>
+          <a:p>
+            <a:r>
+              <a:rPr lang="en-US" smtClean="0"/>
+              <a:t>CS@UVa</a:t>
+            </a:r>
+            <a:endParaRPr lang="en-US"/>
+          </a:p>
+        </p:txBody>
+      </p:sp>
+      <p:sp>
+        <p:nvSpPr>
+          <p:cNvPr id="5" name="Footer Placeholder 4"/>
+          <p:cNvSpPr>
+            <a:spLocks noGrp="1"/>
+          </p:cNvSpPr>
+          <p:nvPr>
+            <p:ph type="ftr" sz="quarter" idx="11"/>
+          </p:nvPr>
+        </p:nvSpPr>
+        <p:spPr/>
+        <p:txBody>
+          <a:bodyPr/>
+          <a:lstStyle/>
+          <a:p>
+            <a:r>
+              <a:rPr lang="en-US" smtClean="0"/>
+              <a:t>CS 6501: Text Mining</a:t>
+            </a:r>
+            <a:endParaRPr lang="en-US"/>
+          </a:p>
+        </p:txBody>
+      </p:sp>
+      <p:sp>
+        <p:nvSpPr>
+          <p:cNvPr id="6" name="Slide Number Placeholder 5"/>
+          <p:cNvSpPr>
+            <a:spLocks noGrp="1"/>
+          </p:cNvSpPr>
+          <p:nvPr>
+            <p:ph type="sldNum" sz="quarter" idx="12"/>
+          </p:nvPr>
+        </p:nvSpPr>
+        <p:spPr/>
+        <p:txBody>
+          <a:bodyPr/>
+          <a:lstStyle/>
+          <a:p>
+            <a:fld id="{43830080-A553-4B39-86B2-A82FEF2D1984}" type="slidenum">
+              <a:rPr lang="en-US" smtClean="0"/>
+              <a:t>7</a:t>
+            </a:fld>
+            <a:endParaRPr lang="en-US"/>
+          </a:p>
+        </p:txBody>
+      </p:sp>
       <p:sp>
         <p:nvSpPr>
           <p:cNvPr id="8" name="TextBox 7"/>
@@ -8504,9 +9546,80 @@
   <p:timing>
     <p:tnLst>
       <p:par>
-        <p:cTn id="1" dur="indefinite" restart="never" nodeType="tmRoot"/>
+        <p:cTn id="1" dur="indefinite" restart="never" nodeType="tmRoot">
+          <p:childTnLst>
+            <p:seq concurrent="1" nextAc="seek">
+              <p:cTn id="2" dur="indefinite" nodeType="mainSeq">
+                <p:childTnLst>
+                  <p:par>
+                    <p:cTn id="3" fill="hold">
+                      <p:stCondLst>
+                        <p:cond delay="indefinite"/>
+                      </p:stCondLst>
+                      <p:childTnLst>
+                        <p:par>
+                          <p:cTn id="4" fill="hold">
+                            <p:stCondLst>
+                              <p:cond delay="0"/>
+                            </p:stCondLst>
+                            <p:childTnLst>
+                              <p:par>
+                                <p:cTn id="5" presetID="1" presetClass="entr" presetSubtype="0" fill="hold" grpId="0" nodeType="clickEffect">
+                                  <p:stCondLst>
+                                    <p:cond delay="0"/>
+                                  </p:stCondLst>
+                                  <p:childTnLst>
+                                    <p:set>
+                                      <p:cBhvr>
+                                        <p:cTn id="6" dur="1" fill="hold">
+                                          <p:stCondLst>
+                                            <p:cond delay="0"/>
+                                          </p:stCondLst>
+                                        </p:cTn>
+                                        <p:tgtEl>
+                                          <p:spTgt spid="8"/>
+                                        </p:tgtEl>
+                                        <p:attrNameLst>
+                                          <p:attrName>style.visibility</p:attrName>
+                                        </p:attrNameLst>
+                                      </p:cBhvr>
+                                      <p:to>
+                                        <p:strVal val="visible"/>
+                                      </p:to>
+                                    </p:set>
+                                  </p:childTnLst>
+                                </p:cTn>
+                              </p:par>
+                            </p:childTnLst>
+                          </p:cTn>
+                        </p:par>
+                      </p:childTnLst>
+                    </p:cTn>
+                  </p:par>
+                </p:childTnLst>
+              </p:cTn>
+              <p:prevCondLst>
+                <p:cond evt="onPrev" delay="0">
+                  <p:tgtEl>
+                    <p:sldTgt/>
+                  </p:tgtEl>
+                </p:cond>
+              </p:prevCondLst>
+              <p:nextCondLst>
+                <p:cond evt="onNext" delay="0">
+                  <p:tgtEl>
+                    <p:sldTgt/>
+                  </p:tgtEl>
+                </p:cond>
+              </p:nextCondLst>
+            </p:seq>
+          </p:childTnLst>
+        </p:cTn>
       </p:par>
     </p:tnLst>
+    <p:bldLst>
+      <p:bldP spid="8" grpId="0"/>
+    </p:bldLst>
   </p:timing>
 </p:sld>
 </file>
@@ -8544,7 +9657,7 @@
         </p:blipFill>
         <p:spPr>
           <a:xfrm>
-            <a:off x="2314575" y="3580197"/>
+            <a:off x="2314575" y="3926186"/>
             <a:ext cx="4514850" cy="2545968"/>
           </a:xfrm>
           <a:prstGeom prst="rect">
@@ -8575,36 +9688,459 @@
           </a:p>
         </p:txBody>
       </p:sp>
-      <p:sp>
-        <p:nvSpPr>
-          <p:cNvPr id="3" name="Content Placeholder 2"/>
-          <p:cNvSpPr>
-            <a:spLocks noGrp="1"/>
-          </p:cNvSpPr>
-          <p:nvPr>
-            <p:ph idx="1"/>
-          </p:nvPr>
-        </p:nvSpPr>
-        <p:spPr/>
-        <p:txBody>
-          <a:bodyPr/>
-          <a:lstStyle/>
-          <a:p>
-            <a:r>
-              <a:rPr lang="en-US" dirty="0" smtClean="0"/>
-              <a:t>Average link</a:t>
-            </a:r>
-          </a:p>
-          <a:p>
-            <a:pPr lvl="1"/>
-            <a:r>
-              <a:rPr lang="en-US" dirty="0" smtClean="0"/>
-              <a:t>Cluster distance = average distance of all pairs of members between the clusters</a:t>
-            </a:r>
-            <a:endParaRPr lang="en-US" dirty="0"/>
-          </a:p>
-        </p:txBody>
-      </p:sp>
+      <mc:AlternateContent xmlns:mc="http://schemas.openxmlformats.org/markup-compatibility/2006">
+        <mc:Choice xmlns:a14="http://schemas.microsoft.com/office/drawing/2010/main" Requires="a14">
+          <p:sp>
+            <p:nvSpPr>
+              <p:cNvPr id="3" name="Content Placeholder 2"/>
+              <p:cNvSpPr>
+                <a:spLocks noGrp="1"/>
+              </p:cNvSpPr>
+              <p:nvPr>
+                <p:ph idx="1"/>
+              </p:nvPr>
+            </p:nvSpPr>
+            <p:spPr/>
+            <p:txBody>
+              <a:bodyPr/>
+              <a:lstStyle/>
+              <a:p>
+                <a:r>
+                  <a:rPr lang="en-US" dirty="0" smtClean="0"/>
+                  <a:t>Average link</a:t>
+                </a:r>
+              </a:p>
+              <a:p>
+                <a:pPr lvl="1"/>
+                <a:r>
+                  <a:rPr lang="en-US" dirty="0" smtClean="0"/>
+                  <a:t>Cluster distance = average distance of all pairs of members between the </a:t>
+                </a:r>
+                <a:r>
+                  <a:rPr lang="en-US" dirty="0" smtClean="0"/>
+                  <a:t>clusters</a:t>
+                </a:r>
+              </a:p>
+              <a:p>
+                <a:pPr lvl="1"/>
+                <a14:m>
+                  <m:oMath xmlns:m="http://schemas.openxmlformats.org/officeDocument/2006/math">
+                    <m:r>
+                      <a:rPr lang="en-US" i="1">
+                        <a:latin typeface="Cambria Math" panose="02040503050406030204" pitchFamily="18" charset="0"/>
+                      </a:rPr>
+                      <m:t>𝑑</m:t>
+                    </m:r>
+                    <m:d>
+                      <m:dPr>
+                        <m:ctrlPr>
+                          <a:rPr lang="en-US" i="1">
+                            <a:latin typeface="Cambria Math" panose="02040503050406030204" pitchFamily="18" charset="0"/>
+                          </a:rPr>
+                        </m:ctrlPr>
+                      </m:dPr>
+                      <m:e>
+                        <m:sSub>
+                          <m:sSubPr>
+                            <m:ctrlPr>
+                              <a:rPr lang="en-US" i="1">
+                                <a:latin typeface="Cambria Math" panose="02040503050406030204" pitchFamily="18" charset="0"/>
+                              </a:rPr>
+                            </m:ctrlPr>
+                          </m:sSubPr>
+                          <m:e>
+                            <m:r>
+                              <a:rPr lang="en-US" i="1">
+                                <a:latin typeface="Cambria Math" panose="02040503050406030204" pitchFamily="18" charset="0"/>
+                              </a:rPr>
+                              <m:t>𝑐</m:t>
+                            </m:r>
+                          </m:e>
+                          <m:sub>
+                            <m:r>
+                              <a:rPr lang="en-US" i="1">
+                                <a:latin typeface="Cambria Math" panose="02040503050406030204" pitchFamily="18" charset="0"/>
+                              </a:rPr>
+                              <m:t>𝑖</m:t>
+                            </m:r>
+                          </m:sub>
+                        </m:sSub>
+                        <m:r>
+                          <a:rPr lang="en-US" i="1">
+                            <a:latin typeface="Cambria Math" panose="02040503050406030204" pitchFamily="18" charset="0"/>
+                          </a:rPr>
+                          <m:t>,</m:t>
+                        </m:r>
+                        <m:sSub>
+                          <m:sSubPr>
+                            <m:ctrlPr>
+                              <a:rPr lang="en-US" i="1">
+                                <a:latin typeface="Cambria Math" panose="02040503050406030204" pitchFamily="18" charset="0"/>
+                              </a:rPr>
+                            </m:ctrlPr>
+                          </m:sSubPr>
+                          <m:e>
+                            <m:r>
+                              <a:rPr lang="en-US" i="1">
+                                <a:latin typeface="Cambria Math" panose="02040503050406030204" pitchFamily="18" charset="0"/>
+                              </a:rPr>
+                              <m:t>𝑐</m:t>
+                            </m:r>
+                          </m:e>
+                          <m:sub>
+                            <m:r>
+                              <a:rPr lang="en-US" i="1">
+                                <a:latin typeface="Cambria Math" panose="02040503050406030204" pitchFamily="18" charset="0"/>
+                              </a:rPr>
+                              <m:t>𝑗</m:t>
+                            </m:r>
+                          </m:sub>
+                        </m:sSub>
+                      </m:e>
+                    </m:d>
+                    <m:r>
+                      <a:rPr lang="en-US" i="1">
+                        <a:latin typeface="Cambria Math" panose="02040503050406030204" pitchFamily="18" charset="0"/>
+                      </a:rPr>
+                      <m:t>=</m:t>
+                    </m:r>
+                    <m:f>
+                      <m:fPr>
+                        <m:ctrlPr>
+                          <a:rPr lang="en-US" i="1" smtClean="0">
+                            <a:latin typeface="Cambria Math" panose="02040503050406030204" pitchFamily="18" charset="0"/>
+                          </a:rPr>
+                        </m:ctrlPr>
+                      </m:fPr>
+                      <m:num>
+                        <m:nary>
+                          <m:naryPr>
+                            <m:chr m:val="∑"/>
+                            <m:supHide m:val="on"/>
+                            <m:ctrlPr>
+                              <a:rPr lang="en-US" i="1">
+                                <a:latin typeface="Cambria Math" panose="02040503050406030204" pitchFamily="18" charset="0"/>
+                              </a:rPr>
+                            </m:ctrlPr>
+                          </m:naryPr>
+                          <m:sub>
+                            <m:sSub>
+                              <m:sSubPr>
+                                <m:ctrlPr>
+                                  <a:rPr lang="en-US" i="1">
+                                    <a:latin typeface="Cambria Math" panose="02040503050406030204" pitchFamily="18" charset="0"/>
+                                  </a:rPr>
+                                </m:ctrlPr>
+                              </m:sSubPr>
+                              <m:e>
+                                <m:r>
+                                  <a:rPr lang="en-US" i="1">
+                                    <a:latin typeface="Cambria Math" panose="02040503050406030204" pitchFamily="18" charset="0"/>
+                                  </a:rPr>
+                                  <m:t>𝑥</m:t>
+                                </m:r>
+                              </m:e>
+                              <m:sub>
+                                <m:r>
+                                  <a:rPr lang="en-US" i="1">
+                                    <a:latin typeface="Cambria Math" panose="02040503050406030204" pitchFamily="18" charset="0"/>
+                                  </a:rPr>
+                                  <m:t>𝑛</m:t>
+                                </m:r>
+                              </m:sub>
+                            </m:sSub>
+                            <m:r>
+                              <a:rPr lang="en-US" i="1">
+                                <a:latin typeface="Cambria Math" panose="02040503050406030204" pitchFamily="18" charset="0"/>
+                              </a:rPr>
+                              <m:t>∈</m:t>
+                            </m:r>
+                            <m:sSub>
+                              <m:sSubPr>
+                                <m:ctrlPr>
+                                  <a:rPr lang="en-US" i="1">
+                                    <a:latin typeface="Cambria Math" panose="02040503050406030204" pitchFamily="18" charset="0"/>
+                                  </a:rPr>
+                                </m:ctrlPr>
+                              </m:sSubPr>
+                              <m:e>
+                                <m:r>
+                                  <a:rPr lang="en-US" i="1">
+                                    <a:latin typeface="Cambria Math" panose="02040503050406030204" pitchFamily="18" charset="0"/>
+                                  </a:rPr>
+                                  <m:t>𝑐</m:t>
+                                </m:r>
+                              </m:e>
+                              <m:sub>
+                                <m:r>
+                                  <a:rPr lang="en-US" i="1">
+                                    <a:latin typeface="Cambria Math" panose="02040503050406030204" pitchFamily="18" charset="0"/>
+                                  </a:rPr>
+                                  <m:t>𝑖</m:t>
+                                </m:r>
+                              </m:sub>
+                            </m:sSub>
+                            <m:r>
+                              <a:rPr lang="en-US" i="1">
+                                <a:latin typeface="Cambria Math" panose="02040503050406030204" pitchFamily="18" charset="0"/>
+                              </a:rPr>
+                              <m:t>,</m:t>
+                            </m:r>
+                            <m:sSub>
+                              <m:sSubPr>
+                                <m:ctrlPr>
+                                  <a:rPr lang="en-US" i="1">
+                                    <a:latin typeface="Cambria Math" panose="02040503050406030204" pitchFamily="18" charset="0"/>
+                                  </a:rPr>
+                                </m:ctrlPr>
+                              </m:sSubPr>
+                              <m:e>
+                                <m:r>
+                                  <a:rPr lang="en-US" i="1">
+                                    <a:latin typeface="Cambria Math" panose="02040503050406030204" pitchFamily="18" charset="0"/>
+                                  </a:rPr>
+                                  <m:t>𝑥</m:t>
+                                </m:r>
+                              </m:e>
+                              <m:sub>
+                                <m:r>
+                                  <a:rPr lang="en-US" i="1">
+                                    <a:latin typeface="Cambria Math" panose="02040503050406030204" pitchFamily="18" charset="0"/>
+                                  </a:rPr>
+                                  <m:t>𝑚</m:t>
+                                </m:r>
+                              </m:sub>
+                            </m:sSub>
+                            <m:r>
+                              <a:rPr lang="en-US" i="1">
+                                <a:latin typeface="Cambria Math" panose="02040503050406030204" pitchFamily="18" charset="0"/>
+                              </a:rPr>
+                              <m:t>∈</m:t>
+                            </m:r>
+                            <m:sSub>
+                              <m:sSubPr>
+                                <m:ctrlPr>
+                                  <a:rPr lang="en-US" i="1">
+                                    <a:latin typeface="Cambria Math" panose="02040503050406030204" pitchFamily="18" charset="0"/>
+                                  </a:rPr>
+                                </m:ctrlPr>
+                              </m:sSubPr>
+                              <m:e>
+                                <m:r>
+                                  <a:rPr lang="en-US" i="1">
+                                    <a:latin typeface="Cambria Math" panose="02040503050406030204" pitchFamily="18" charset="0"/>
+                                  </a:rPr>
+                                  <m:t>𝑐</m:t>
+                                </m:r>
+                              </m:e>
+                              <m:sub>
+                                <m:r>
+                                  <a:rPr lang="en-US" i="1">
+                                    <a:latin typeface="Cambria Math" panose="02040503050406030204" pitchFamily="18" charset="0"/>
+                                  </a:rPr>
+                                  <m:t>𝑗</m:t>
+                                </m:r>
+                              </m:sub>
+                            </m:sSub>
+                          </m:sub>
+                          <m:sup/>
+                          <m:e>
+                            <m:r>
+                              <a:rPr lang="en-US" i="1">
+                                <a:latin typeface="Cambria Math" panose="02040503050406030204" pitchFamily="18" charset="0"/>
+                              </a:rPr>
+                              <m:t>𝑑</m:t>
+                            </m:r>
+                            <m:r>
+                              <a:rPr lang="en-US" i="1">
+                                <a:latin typeface="Cambria Math" panose="02040503050406030204" pitchFamily="18" charset="0"/>
+                              </a:rPr>
+                              <m:t>(</m:t>
+                            </m:r>
+                            <m:sSub>
+                              <m:sSubPr>
+                                <m:ctrlPr>
+                                  <a:rPr lang="en-US" i="1">
+                                    <a:latin typeface="Cambria Math" panose="02040503050406030204" pitchFamily="18" charset="0"/>
+                                  </a:rPr>
+                                </m:ctrlPr>
+                              </m:sSubPr>
+                              <m:e>
+                                <m:r>
+                                  <a:rPr lang="en-US" i="1">
+                                    <a:latin typeface="Cambria Math" panose="02040503050406030204" pitchFamily="18" charset="0"/>
+                                  </a:rPr>
+                                  <m:t>𝑥</m:t>
+                                </m:r>
+                              </m:e>
+                              <m:sub>
+                                <m:r>
+                                  <a:rPr lang="en-US" b="0" i="1" smtClean="0">
+                                    <a:latin typeface="Cambria Math" panose="02040503050406030204" pitchFamily="18" charset="0"/>
+                                  </a:rPr>
+                                  <m:t>𝑛</m:t>
+                                </m:r>
+                              </m:sub>
+                            </m:sSub>
+                            <m:r>
+                              <a:rPr lang="en-US" i="1">
+                                <a:latin typeface="Cambria Math" panose="02040503050406030204" pitchFamily="18" charset="0"/>
+                              </a:rPr>
+                              <m:t>,</m:t>
+                            </m:r>
+                            <m:sSub>
+                              <m:sSubPr>
+                                <m:ctrlPr>
+                                  <a:rPr lang="en-US" i="1">
+                                    <a:latin typeface="Cambria Math" panose="02040503050406030204" pitchFamily="18" charset="0"/>
+                                  </a:rPr>
+                                </m:ctrlPr>
+                              </m:sSubPr>
+                              <m:e>
+                                <m:r>
+                                  <a:rPr lang="en-US" i="1">
+                                    <a:latin typeface="Cambria Math" panose="02040503050406030204" pitchFamily="18" charset="0"/>
+                                  </a:rPr>
+                                  <m:t>𝑥</m:t>
+                                </m:r>
+                              </m:e>
+                              <m:sub>
+                                <m:r>
+                                  <a:rPr lang="en-US" b="0" i="1" smtClean="0">
+                                    <a:latin typeface="Cambria Math" panose="02040503050406030204" pitchFamily="18" charset="0"/>
+                                  </a:rPr>
+                                  <m:t>𝑚</m:t>
+                                </m:r>
+                              </m:sub>
+                            </m:sSub>
+                            <m:r>
+                              <a:rPr lang="en-US" i="1">
+                                <a:latin typeface="Cambria Math" panose="02040503050406030204" pitchFamily="18" charset="0"/>
+                              </a:rPr>
+                              <m:t>)</m:t>
+                            </m:r>
+                          </m:e>
+                        </m:nary>
+                      </m:num>
+                      <m:den>
+                        <m:d>
+                          <m:dPr>
+                            <m:begChr m:val="|"/>
+                            <m:endChr m:val="|"/>
+                            <m:ctrlPr>
+                              <a:rPr lang="en-US" b="0" i="1" smtClean="0">
+                                <a:latin typeface="Cambria Math" panose="02040503050406030204" pitchFamily="18" charset="0"/>
+                              </a:rPr>
+                            </m:ctrlPr>
+                          </m:dPr>
+                          <m:e>
+                            <m:sSub>
+                              <m:sSubPr>
+                                <m:ctrlPr>
+                                  <a:rPr lang="en-US" b="0" i="1" smtClean="0">
+                                    <a:latin typeface="Cambria Math" panose="02040503050406030204" pitchFamily="18" charset="0"/>
+                                  </a:rPr>
+                                </m:ctrlPr>
+                              </m:sSubPr>
+                              <m:e>
+                                <m:r>
+                                  <a:rPr lang="en-US" b="0" i="1" smtClean="0">
+                                    <a:latin typeface="Cambria Math" panose="02040503050406030204" pitchFamily="18" charset="0"/>
+                                  </a:rPr>
+                                  <m:t>𝑐</m:t>
+                                </m:r>
+                              </m:e>
+                              <m:sub>
+                                <m:r>
+                                  <a:rPr lang="en-US" b="0" i="1" smtClean="0">
+                                    <a:latin typeface="Cambria Math" panose="02040503050406030204" pitchFamily="18" charset="0"/>
+                                  </a:rPr>
+                                  <m:t>𝑖</m:t>
+                                </m:r>
+                              </m:sub>
+                            </m:sSub>
+                          </m:e>
+                        </m:d>
+                        <m:r>
+                          <a:rPr lang="en-US" b="0" i="1" smtClean="0">
+                            <a:latin typeface="Cambria Math" panose="02040503050406030204" pitchFamily="18" charset="0"/>
+                          </a:rPr>
+                          <m:t>×|</m:t>
+                        </m:r>
+                        <m:sSub>
+                          <m:sSubPr>
+                            <m:ctrlPr>
+                              <a:rPr lang="en-US" b="0" i="1" smtClean="0">
+                                <a:latin typeface="Cambria Math" panose="02040503050406030204" pitchFamily="18" charset="0"/>
+                              </a:rPr>
+                            </m:ctrlPr>
+                          </m:sSubPr>
+                          <m:e>
+                            <m:r>
+                              <a:rPr lang="en-US" b="0" i="1" smtClean="0">
+                                <a:latin typeface="Cambria Math" panose="02040503050406030204" pitchFamily="18" charset="0"/>
+                              </a:rPr>
+                              <m:t>𝑐</m:t>
+                            </m:r>
+                          </m:e>
+                          <m:sub>
+                            <m:r>
+                              <a:rPr lang="en-US" b="0" i="1" smtClean="0">
+                                <a:latin typeface="Cambria Math" panose="02040503050406030204" pitchFamily="18" charset="0"/>
+                              </a:rPr>
+                              <m:t>𝑗</m:t>
+                            </m:r>
+                          </m:sub>
+                        </m:sSub>
+                        <m:r>
+                          <a:rPr lang="en-US" b="0" i="1" smtClean="0">
+                            <a:latin typeface="Cambria Math" panose="02040503050406030204" pitchFamily="18" charset="0"/>
+                          </a:rPr>
+                          <m:t>|</m:t>
+                        </m:r>
+                      </m:den>
+                    </m:f>
+                  </m:oMath>
+                </a14:m>
+                <a:endParaRPr lang="en-US" dirty="0"/>
+              </a:p>
+            </p:txBody>
+          </p:sp>
+        </mc:Choice>
+        <mc:Fallback>
+          <p:sp>
+            <p:nvSpPr>
+              <p:cNvPr id="3" name="Content Placeholder 2"/>
+              <p:cNvSpPr>
+                <a:spLocks noGrp="1" noRot="1" noChangeAspect="1" noMove="1" noResize="1" noEditPoints="1" noAdjustHandles="1" noChangeArrowheads="1" noChangeShapeType="1" noTextEdit="1"/>
+              </p:cNvSpPr>
+              <p:nvPr>
+                <p:ph idx="1"/>
+              </p:nvPr>
+            </p:nvSpPr>
+            <p:spPr>
+              <a:blipFill rotWithShape="0">
+                <a:blip r:embed="rId3"/>
+                <a:stretch>
+                  <a:fillRect l="-1704" t="-1752"/>
+                </a:stretch>
+              </a:blipFill>
+            </p:spPr>
+            <p:txBody>
+              <a:bodyPr/>
+              <a:lstStyle/>
+              <a:p>
+                <a:r>
+                  <a:rPr lang="en-US">
+                    <a:noFill/>
+                  </a:rPr>
+                  <a:t> </a:t>
+                </a:r>
+              </a:p>
+            </p:txBody>
+          </p:sp>
+        </mc:Fallback>
+      </mc:AlternateContent>
       <p:sp>
         <p:nvSpPr>
           <p:cNvPr id="4" name="Date Placeholder 3"/>
@@ -8725,9 +10261,80 @@
   <p:timing>
     <p:tnLst>
       <p:par>
-        <p:cTn id="1" dur="indefinite" restart="never" nodeType="tmRoot"/>
+        <p:cTn id="1" dur="indefinite" restart="never" nodeType="tmRoot">
+          <p:childTnLst>
+            <p:seq concurrent="1" nextAc="seek">
+              <p:cTn id="2" dur="indefinite" nodeType="mainSeq">
+                <p:childTnLst>
+                  <p:par>
+                    <p:cTn id="3" fill="hold">
+                      <p:stCondLst>
+                        <p:cond delay="indefinite"/>
+                      </p:stCondLst>
+                      <p:childTnLst>
+                        <p:par>
+                          <p:cTn id="4" fill="hold">
+                            <p:stCondLst>
+                              <p:cond delay="0"/>
+                            </p:stCondLst>
+                            <p:childTnLst>
+                              <p:par>
+                                <p:cTn id="5" presetID="1" presetClass="entr" presetSubtype="0" fill="hold" grpId="0" nodeType="clickEffect">
+                                  <p:stCondLst>
+                                    <p:cond delay="0"/>
+                                  </p:stCondLst>
+                                  <p:childTnLst>
+                                    <p:set>
+                                      <p:cBhvr>
+                                        <p:cTn id="6" dur="1" fill="hold">
+                                          <p:stCondLst>
+                                            <p:cond delay="0"/>
+                                          </p:stCondLst>
+                                        </p:cTn>
+                                        <p:tgtEl>
+                                          <p:spTgt spid="8"/>
+                                        </p:tgtEl>
+                                        <p:attrNameLst>
+                                          <p:attrName>style.visibility</p:attrName>
+                                        </p:attrNameLst>
+                                      </p:cBhvr>
+                                      <p:to>
+                                        <p:strVal val="visible"/>
+                                      </p:to>
+                                    </p:set>
+                                  </p:childTnLst>
+                                </p:cTn>
+                              </p:par>
+                            </p:childTnLst>
+                          </p:cTn>
+                        </p:par>
+                      </p:childTnLst>
+                    </p:cTn>
+                  </p:par>
+                </p:childTnLst>
+              </p:cTn>
+              <p:prevCondLst>
+                <p:cond evt="onPrev" delay="0">
+                  <p:tgtEl>
+                    <p:sldTgt/>
+                  </p:tgtEl>
+                </p:cond>
+              </p:prevCondLst>
+              <p:nextCondLst>
+                <p:cond evt="onNext" delay="0">
+                  <p:tgtEl>
+                    <p:sldTgt/>
+                  </p:tgtEl>
+                </p:cond>
+              </p:nextCondLst>
+            </p:seq>
+          </p:childTnLst>
+        </p:cTn>
       </p:par>
     </p:tnLst>
+    <p:bldLst>
+      <p:bldP spid="8" grpId="0"/>
+    </p:bldLst>
   </p:timing>
 </p:sld>
 </file>
@@ -8893,95 +10500,6 @@
           </a:p>
         </p:txBody>
       </p:sp>
-      <p:grpSp>
-        <p:nvGrpSpPr>
-          <p:cNvPr id="84" name="Group 83"/>
-          <p:cNvGrpSpPr/>
-          <p:nvPr/>
-        </p:nvGrpSpPr>
-        <p:grpSpPr>
-          <a:xfrm>
-            <a:off x="3475363" y="2722768"/>
-            <a:ext cx="5520356" cy="671221"/>
-            <a:chOff x="3475363" y="2722768"/>
-            <a:chExt cx="5520356" cy="671221"/>
-          </a:xfrm>
-        </p:grpSpPr>
-        <p:sp>
-          <p:nvSpPr>
-            <p:cNvPr id="81" name="TextBox 80"/>
-            <p:cNvSpPr txBox="1"/>
-            <p:nvPr/>
-          </p:nvSpPr>
-          <p:spPr>
-            <a:xfrm>
-              <a:off x="5871519" y="2722768"/>
-              <a:ext cx="3124200" cy="369332"/>
-            </a:xfrm>
-            <a:prstGeom prst="rect">
-              <a:avLst/>
-            </a:prstGeom>
-            <a:noFill/>
-          </p:spPr>
-          <p:txBody>
-            <a:bodyPr wrap="square" rtlCol="0">
-              <a:spAutoFit/>
-            </a:bodyPr>
-            <a:lstStyle/>
-            <a:p>
-              <a:r>
-                <a:rPr lang="en-US" b="1" i="1" dirty="0" smtClean="0">
-                  <a:solidFill>
-                    <a:srgbClr val="FF0000"/>
-                  </a:solidFill>
-                </a:rPr>
-                <a:t>Enumerate all the possibilities!</a:t>
-              </a:r>
-              <a:endParaRPr lang="en-US" b="1" i="1" dirty="0">
-                <a:solidFill>
-                  <a:srgbClr val="FF0000"/>
-                </a:solidFill>
-              </a:endParaRPr>
-            </a:p>
-          </p:txBody>
-        </p:sp>
-        <p:cxnSp>
-          <p:nvCxnSpPr>
-            <p:cNvPr id="83" name="Straight Arrow Connector 82"/>
-            <p:cNvCxnSpPr/>
-            <p:nvPr/>
-          </p:nvCxnSpPr>
-          <p:spPr>
-            <a:xfrm flipH="1">
-              <a:off x="3475363" y="3064476"/>
-              <a:ext cx="2760680" cy="329513"/>
-            </a:xfrm>
-            <a:prstGeom prst="straightConnector1">
-              <a:avLst/>
-            </a:prstGeom>
-            <a:ln w="12700">
-              <a:solidFill>
-                <a:srgbClr val="FF0000"/>
-              </a:solidFill>
-              <a:tailEnd type="triangle"/>
-            </a:ln>
-          </p:spPr>
-          <p:style>
-            <a:lnRef idx="1">
-              <a:schemeClr val="accent1"/>
-            </a:lnRef>
-            <a:fillRef idx="0">
-              <a:schemeClr val="accent1"/>
-            </a:fillRef>
-            <a:effectRef idx="0">
-              <a:schemeClr val="accent1"/>
-            </a:effectRef>
-            <a:fontRef idx="minor">
-              <a:schemeClr val="tx1"/>
-            </a:fontRef>
-          </p:style>
-        </p:cxnSp>
-      </p:grpSp>
       <p:pic>
         <p:nvPicPr>
           <p:cNvPr id="80" name="Picture 79"/>
@@ -10143,51 +11661,6 @@
                       </p:childTnLst>
                     </p:cTn>
                   </p:par>
-                  <p:par>
-                    <p:cTn id="33" fill="hold">
-                      <p:stCondLst>
-                        <p:cond delay="indefinite"/>
-                      </p:stCondLst>
-                      <p:childTnLst>
-                        <p:par>
-                          <p:cTn id="34" fill="hold">
-                            <p:stCondLst>
-                              <p:cond delay="0"/>
-                            </p:stCondLst>
-                            <p:childTnLst>
-                              <p:par>
-                                <p:cTn id="35" presetID="1" presetClass="entr" presetSubtype="0" fill="hold" nodeType="clickEffect">
-                                  <p:stCondLst>
-                                    <p:cond delay="0"/>
-                                  </p:stCondLst>
-                                  <p:childTnLst>
-                                    <p:set>
-                                      <p:cBhvr>
-                                        <p:cTn id="36" dur="1" fill="hold">
-                                          <p:stCondLst>
-                                            <p:cond delay="0"/>
-                                          </p:stCondLst>
-                                        </p:cTn>
-                                        <p:tgtEl>
-                                          <p:spTgt spid="84"/>
-                                        </p:tgtEl>
-                                        <p:attrNameLst>
-                                          <p:attrName>style.visibility</p:attrName>
-                                        </p:attrNameLst>
-                                      </p:cBhvr>
-                                      <p:to>
-                                        <p:strVal val="visible"/>
-                                      </p:to>
-                                    </p:set>
-                                  </p:childTnLst>
-                                </p:cTn>
-                              </p:par>
-                            </p:childTnLst>
-                          </p:cTn>
-                        </p:par>
-                      </p:childTnLst>
-                    </p:cTn>
-                  </p:par>
                 </p:childTnLst>
               </p:cTn>
               <p:prevCondLst>

--- a/docs/Hierarchical clustering.pptx
+++ b/docs/Hierarchical clustering.pptx
@@ -210,7 +210,7 @@
           <a:p>
             <a:fld id="{8B76DFE4-F3BB-43CB-B01D-1F36984D9805}" type="datetimeFigureOut">
               <a:rPr lang="en-US" smtClean="0"/>
-              <a:t>4/27/2015</a:t>
+              <a:t>4/25/2016</a:t>
             </a:fld>
             <a:endParaRPr lang="en-US"/>
           </a:p>
@@ -3714,8 +3714,8 @@
           </a:p>
         </p:txBody>
       </p:sp>
-      <mc:AlternateContent xmlns:mc="http://schemas.openxmlformats.org/markup-compatibility/2006">
-        <mc:Choice xmlns:a14="http://schemas.microsoft.com/office/drawing/2010/main" Requires="a14">
+      <mc:AlternateContent xmlns:mc="http://schemas.openxmlformats.org/markup-compatibility/2006" xmlns:a14="http://schemas.microsoft.com/office/drawing/2010/main">
+        <mc:Choice Requires="a14">
           <p:sp>
             <p:nvSpPr>
               <p:cNvPr id="3" name="Content Placeholder 2"/>
@@ -3828,11 +3828,7 @@
                 <a:pPr lvl="1"/>
                 <a:r>
                   <a:rPr lang="en-US" dirty="0" smtClean="0"/>
-                  <a:t>It </a:t>
-                </a:r>
-                <a:r>
-                  <a:rPr lang="en-US" dirty="0" smtClean="0"/>
-                  <a:t>could be </a:t>
+                  <a:t>It could be </a:t>
                 </a:r>
                 <a14:m>
                   <m:oMath xmlns:m="http://schemas.openxmlformats.org/officeDocument/2006/math">
@@ -3969,7 +3965,7 @@
             </p:txBody>
           </p:sp>
         </mc:Choice>
-        <mc:Fallback>
+        <mc:Fallback xmlns="">
           <p:sp>
             <p:nvSpPr>
               <p:cNvPr id="3" name="Content Placeholder 2"/>
@@ -4072,8 +4068,8 @@
           </a:p>
         </p:txBody>
       </p:sp>
-      <mc:AlternateContent xmlns:mc="http://schemas.openxmlformats.org/markup-compatibility/2006">
-        <mc:Choice xmlns:a14="http://schemas.microsoft.com/office/drawing/2010/main" Requires="a14">
+      <mc:AlternateContent xmlns:mc="http://schemas.openxmlformats.org/markup-compatibility/2006" xmlns:a14="http://schemas.microsoft.com/office/drawing/2010/main">
+        <mc:Choice Requires="a14">
           <p:sp>
             <p:nvSpPr>
               <p:cNvPr id="7" name="TextBox 6"/>
@@ -4178,7 +4174,7 @@
             </p:txBody>
           </p:sp>
         </mc:Choice>
-        <mc:Fallback>
+        <mc:Fallback xmlns="">
           <p:sp>
             <p:nvSpPr>
               <p:cNvPr id="7" name="TextBox 6"/>
@@ -4514,8 +4510,8 @@
           </p:sp>
         </mc:Fallback>
       </mc:AlternateContent>
-      <mc:AlternateContent xmlns:mc="http://schemas.openxmlformats.org/markup-compatibility/2006">
-        <mc:Choice xmlns:a14="http://schemas.microsoft.com/office/drawing/2010/main" Requires="a14">
+      <mc:AlternateContent xmlns:mc="http://schemas.openxmlformats.org/markup-compatibility/2006" xmlns:a14="http://schemas.microsoft.com/office/drawing/2010/main">
+        <mc:Choice Requires="a14">
           <p:sp>
             <p:nvSpPr>
               <p:cNvPr id="8" name="Content Placeholder 7"/>
@@ -4640,7 +4636,7 @@
             </p:txBody>
           </p:sp>
         </mc:Choice>
-        <mc:Fallback>
+        <mc:Fallback xmlns="">
           <p:sp>
             <p:nvSpPr>
               <p:cNvPr id="8" name="Content Placeholder 7"/>
@@ -8396,8 +8392,8 @@
           </a:p>
         </p:txBody>
       </p:sp>
-      <mc:AlternateContent xmlns:mc="http://schemas.openxmlformats.org/markup-compatibility/2006">
-        <mc:Choice xmlns:a14="http://schemas.microsoft.com/office/drawing/2010/main" Requires="a14">
+      <mc:AlternateContent xmlns:mc="http://schemas.openxmlformats.org/markup-compatibility/2006" xmlns:a14="http://schemas.microsoft.com/office/drawing/2010/main">
+        <mc:Choice Requires="a14">
           <p:sp>
             <p:nvSpPr>
               <p:cNvPr id="3" name="Content Placeholder 2"/>
@@ -8422,11 +8418,7 @@
                 <a:pPr lvl="1"/>
                 <a:r>
                   <a:rPr lang="en-US" dirty="0" smtClean="0"/>
-                  <a:t>Cluster distance = distance of two closest members between the </a:t>
-                </a:r>
-                <a:r>
-                  <a:rPr lang="en-US" dirty="0" smtClean="0"/>
-                  <a:t>clusters</a:t>
+                  <a:t>Cluster distance = distance of two closest members between the clusters</a:t>
                 </a:r>
               </a:p>
               <a:p>
@@ -8746,7 +8738,7 @@
             </p:txBody>
           </p:sp>
         </mc:Choice>
-        <mc:Fallback>
+        <mc:Fallback xmlns="">
           <p:sp>
             <p:nvSpPr>
               <p:cNvPr id="3" name="Content Placeholder 2"/>
@@ -9042,8 +9034,8 @@
           </a:p>
         </p:txBody>
       </p:sp>
-      <mc:AlternateContent xmlns:mc="http://schemas.openxmlformats.org/markup-compatibility/2006">
-        <mc:Choice xmlns:a14="http://schemas.microsoft.com/office/drawing/2010/main" Requires="a14">
+      <mc:AlternateContent xmlns:mc="http://schemas.openxmlformats.org/markup-compatibility/2006" xmlns:a14="http://schemas.microsoft.com/office/drawing/2010/main">
+        <mc:Choice Requires="a14">
           <p:sp>
             <p:nvSpPr>
               <p:cNvPr id="3" name="Content Placeholder 2"/>
@@ -9068,11 +9060,7 @@
                 <a:pPr lvl="1"/>
                 <a:r>
                   <a:rPr lang="en-US" dirty="0" smtClean="0"/>
-                  <a:t>Cluster distance = distance of two farthest members between the </a:t>
-                </a:r>
-                <a:r>
-                  <a:rPr lang="en-US" dirty="0" smtClean="0"/>
-                  <a:t>clusters</a:t>
+                  <a:t>Cluster distance = distance of two farthest members between the clusters</a:t>
                 </a:r>
               </a:p>
               <a:p>
@@ -9392,7 +9380,7 @@
             </p:txBody>
           </p:sp>
         </mc:Choice>
-        <mc:Fallback>
+        <mc:Fallback xmlns="">
           <p:sp>
             <p:nvSpPr>
               <p:cNvPr id="3" name="Content Placeholder 2"/>
@@ -9688,8 +9676,8 @@
           </a:p>
         </p:txBody>
       </p:sp>
-      <mc:AlternateContent xmlns:mc="http://schemas.openxmlformats.org/markup-compatibility/2006">
-        <mc:Choice xmlns:a14="http://schemas.microsoft.com/office/drawing/2010/main" Requires="a14">
+      <mc:AlternateContent xmlns:mc="http://schemas.openxmlformats.org/markup-compatibility/2006" xmlns:a14="http://schemas.microsoft.com/office/drawing/2010/main">
+        <mc:Choice Requires="a14">
           <p:sp>
             <p:nvSpPr>
               <p:cNvPr id="3" name="Content Placeholder 2"/>
@@ -9714,11 +9702,7 @@
                 <a:pPr lvl="1"/>
                 <a:r>
                   <a:rPr lang="en-US" dirty="0" smtClean="0"/>
-                  <a:t>Cluster distance = average distance of all pairs of members between the </a:t>
-                </a:r>
-                <a:r>
-                  <a:rPr lang="en-US" dirty="0" smtClean="0"/>
-                  <a:t>clusters</a:t>
+                  <a:t>Cluster distance = average distance of all pairs of members between the clusters</a:t>
                 </a:r>
               </a:p>
               <a:p>
@@ -10107,7 +10091,7 @@
             </p:txBody>
           </p:sp>
         </mc:Choice>
-        <mc:Fallback>
+        <mc:Fallback xmlns="">
           <p:sp>
             <p:nvSpPr>
               <p:cNvPr id="3" name="Content Placeholder 2"/>
